--- a/data/Venus and Mars.pptx
+++ b/data/Venus and Mars.pptx
@@ -6,6 +6,7 @@
   </p:sldMasterIdLst>
   <p:sldIdLst>
     <p:sldId id="256" r:id="rId2"/>
+    <p:sldId id="257" r:id="rId3"/>
   </p:sldIdLst>
   <p:sldSz cx="12192000" cy="6858000"/>
   <p:notesSz cx="6858000" cy="9144000"/>
@@ -104,6 +105,11 @@
       </a:defRPr>
     </a:lvl9pPr>
   </p:defaultTextStyle>
+  <p:extLst>
+    <p:ext uri="{EFAFB233-063F-42B5-8137-9DF3F51BA10A}">
+      <p15:sldGuideLst xmlns:p15="http://schemas.microsoft.com/office/powerpoint/2012/main"/>
+    </p:ext>
+  </p:extLst>
 </p:presentation>
 </file>
 
@@ -666,9 +672,1822 @@
 </c:chartSpace>
 </file>
 
+<file path=ppt/charts/chart2.xml><?xml version="1.0" encoding="utf-8"?>
+<c:chartSpace xmlns:c="http://schemas.openxmlformats.org/drawingml/2006/chart" xmlns:a="http://schemas.openxmlformats.org/drawingml/2006/main" xmlns:r="http://schemas.openxmlformats.org/officeDocument/2006/relationships" xmlns:c16r2="http://schemas.microsoft.com/office/drawing/2015/06/chart">
+  <c:date1904 val="0"/>
+  <c:lang val="en-US"/>
+  <c:roundedCorners val="0"/>
+  <mc:AlternateContent xmlns:mc="http://schemas.openxmlformats.org/markup-compatibility/2006">
+    <mc:Choice xmlns:c14="http://schemas.microsoft.com/office/drawing/2007/8/2/chart" Requires="c14">
+      <c14:style val="102"/>
+    </mc:Choice>
+    <mc:Fallback>
+      <c:style val="2"/>
+    </mc:Fallback>
+  </mc:AlternateContent>
+  <c:chart>
+    <c:title>
+      <c:tx>
+        <c:rich>
+          <a:bodyPr rot="0" spcFirstLastPara="1" vertOverflow="ellipsis" vert="horz" wrap="square" anchor="ctr" anchorCtr="1"/>
+          <a:lstStyle/>
+          <a:p>
+            <a:pPr>
+              <a:defRPr sz="1400" b="1" i="0" u="none" strike="noStrike" kern="1200" cap="none" baseline="0">
+                <a:solidFill>
+                  <a:schemeClr val="lt1">
+                    <a:lumMod val="85000"/>
+                  </a:schemeClr>
+                </a:solidFill>
+                <a:latin typeface="+mn-lt"/>
+                <a:ea typeface="+mn-ea"/>
+                <a:cs typeface="+mn-cs"/>
+              </a:defRPr>
+            </a:pPr>
+            <a:r>
+              <a:rPr lang="en-US"/>
+              <a:t>Death</a:t>
+            </a:r>
+            <a:r>
+              <a:rPr lang="en-US" baseline="0"/>
+              <a:t> Ratio</a:t>
+            </a:r>
+            <a:endParaRPr lang="en-US"/>
+          </a:p>
+        </c:rich>
+      </c:tx>
+      <c:overlay val="0"/>
+      <c:spPr>
+        <a:noFill/>
+        <a:ln>
+          <a:noFill/>
+        </a:ln>
+        <a:effectLst/>
+      </c:spPr>
+      <c:txPr>
+        <a:bodyPr rot="0" spcFirstLastPara="1" vertOverflow="ellipsis" vert="horz" wrap="square" anchor="ctr" anchorCtr="1"/>
+        <a:lstStyle/>
+        <a:p>
+          <a:pPr>
+            <a:defRPr sz="1400" b="1" i="0" u="none" strike="noStrike" kern="1200" cap="none" baseline="0">
+              <a:solidFill>
+                <a:schemeClr val="lt1">
+                  <a:lumMod val="85000"/>
+                </a:schemeClr>
+              </a:solidFill>
+              <a:latin typeface="+mn-lt"/>
+              <a:ea typeface="+mn-ea"/>
+              <a:cs typeface="+mn-cs"/>
+            </a:defRPr>
+          </a:pPr>
+          <a:endParaRPr lang="en-US"/>
+        </a:p>
+      </c:txPr>
+    </c:title>
+    <c:autoTitleDeleted val="0"/>
+    <c:plotArea>
+      <c:layout/>
+      <c:scatterChart>
+        <c:scatterStyle val="smoothMarker"/>
+        <c:varyColors val="0"/>
+        <c:ser>
+          <c:idx val="0"/>
+          <c:order val="0"/>
+          <c:tx>
+            <c:strRef>
+              <c:f>Sheet1!$B$22</c:f>
+              <c:strCache>
+                <c:ptCount val="1"/>
+                <c:pt idx="0">
+                  <c:v>F</c:v>
+                </c:pt>
+              </c:strCache>
+            </c:strRef>
+          </c:tx>
+          <c:spPr>
+            <a:ln w="22225" cap="rnd">
+              <a:solidFill>
+                <a:srgbClr val="FF66CC"/>
+              </a:solidFill>
+            </a:ln>
+            <a:effectLst>
+              <a:glow rad="139700">
+                <a:schemeClr val="accent1">
+                  <a:satMod val="175000"/>
+                  <a:alpha val="14000"/>
+                </a:schemeClr>
+              </a:glow>
+            </a:effectLst>
+          </c:spPr>
+          <c:marker>
+            <c:symbol val="circle"/>
+            <c:size val="3"/>
+            <c:spPr>
+              <a:solidFill>
+                <a:schemeClr val="accent1">
+                  <a:lumMod val="60000"/>
+                  <a:lumOff val="40000"/>
+                </a:schemeClr>
+              </a:solidFill>
+              <a:ln>
+                <a:noFill/>
+              </a:ln>
+              <a:effectLst>
+                <a:glow rad="63500">
+                  <a:schemeClr val="accent1">
+                    <a:satMod val="175000"/>
+                    <a:alpha val="25000"/>
+                  </a:schemeClr>
+                </a:glow>
+              </a:effectLst>
+            </c:spPr>
+          </c:marker>
+          <c:xVal>
+            <c:strRef>
+              <c:f>Sheet1!$A$23:$A$34</c:f>
+              <c:strCache>
+                <c:ptCount val="12"/>
+                <c:pt idx="0">
+                  <c:v>1850-1859</c:v>
+                </c:pt>
+                <c:pt idx="1">
+                  <c:v>1860-1869</c:v>
+                </c:pt>
+                <c:pt idx="2">
+                  <c:v>1870-1879</c:v>
+                </c:pt>
+                <c:pt idx="3">
+                  <c:v>1880-1889</c:v>
+                </c:pt>
+                <c:pt idx="4">
+                  <c:v>1890-1899</c:v>
+                </c:pt>
+                <c:pt idx="5">
+                  <c:v>1900-1909</c:v>
+                </c:pt>
+                <c:pt idx="6">
+                  <c:v>1910-1919</c:v>
+                </c:pt>
+                <c:pt idx="7">
+                  <c:v>1920-1929</c:v>
+                </c:pt>
+                <c:pt idx="8">
+                  <c:v>1930-1939</c:v>
+                </c:pt>
+                <c:pt idx="9">
+                  <c:v>1940-1949</c:v>
+                </c:pt>
+                <c:pt idx="10">
+                  <c:v>1950-1959</c:v>
+                </c:pt>
+                <c:pt idx="11">
+                  <c:v>1960-1970</c:v>
+                </c:pt>
+              </c:strCache>
+            </c:strRef>
+          </c:xVal>
+          <c:yVal>
+            <c:numRef>
+              <c:f>Sheet1!$B$23:$B$34</c:f>
+              <c:numCache>
+                <c:formatCode>General</c:formatCode>
+                <c:ptCount val="12"/>
+                <c:pt idx="0">
+                  <c:v>2244</c:v>
+                </c:pt>
+                <c:pt idx="1">
+                  <c:v>3744</c:v>
+                </c:pt>
+                <c:pt idx="2">
+                  <c:v>1226</c:v>
+                </c:pt>
+                <c:pt idx="3">
+                  <c:v>507</c:v>
+                </c:pt>
+                <c:pt idx="4">
+                  <c:v>245</c:v>
+                </c:pt>
+                <c:pt idx="5">
+                  <c:v>167</c:v>
+                </c:pt>
+                <c:pt idx="6">
+                  <c:v>129</c:v>
+                </c:pt>
+                <c:pt idx="7">
+                  <c:v>95</c:v>
+                </c:pt>
+                <c:pt idx="8">
+                  <c:v>72</c:v>
+                </c:pt>
+                <c:pt idx="9">
+                  <c:v>38</c:v>
+                </c:pt>
+                <c:pt idx="10">
+                  <c:v>16</c:v>
+                </c:pt>
+                <c:pt idx="11">
+                  <c:v>9</c:v>
+                </c:pt>
+              </c:numCache>
+            </c:numRef>
+          </c:yVal>
+          <c:smooth val="1"/>
+          <c:extLst>
+            <c:ext xmlns:c16="http://schemas.microsoft.com/office/drawing/2014/chart" uri="{C3380CC4-5D6E-409C-BE32-E72D297353CC}">
+              <c16:uniqueId val="{00000000-BD75-4DE2-8AA5-BA42E8F5F4FD}"/>
+            </c:ext>
+          </c:extLst>
+        </c:ser>
+        <c:ser>
+          <c:idx val="1"/>
+          <c:order val="1"/>
+          <c:tx>
+            <c:strRef>
+              <c:f>Sheet1!$C$22</c:f>
+              <c:strCache>
+                <c:ptCount val="1"/>
+                <c:pt idx="0">
+                  <c:v>M</c:v>
+                </c:pt>
+              </c:strCache>
+            </c:strRef>
+          </c:tx>
+          <c:spPr>
+            <a:ln w="22225" cap="rnd">
+              <a:solidFill>
+                <a:schemeClr val="accent1"/>
+              </a:solidFill>
+            </a:ln>
+            <a:effectLst>
+              <a:glow rad="139700">
+                <a:schemeClr val="accent2">
+                  <a:satMod val="175000"/>
+                  <a:alpha val="14000"/>
+                </a:schemeClr>
+              </a:glow>
+            </a:effectLst>
+          </c:spPr>
+          <c:marker>
+            <c:symbol val="circle"/>
+            <c:size val="3"/>
+            <c:spPr>
+              <a:solidFill>
+                <a:schemeClr val="accent2">
+                  <a:lumMod val="60000"/>
+                  <a:lumOff val="40000"/>
+                </a:schemeClr>
+              </a:solidFill>
+              <a:ln>
+                <a:noFill/>
+              </a:ln>
+              <a:effectLst>
+                <a:glow rad="63500">
+                  <a:schemeClr val="accent2">
+                    <a:satMod val="175000"/>
+                    <a:alpha val="25000"/>
+                  </a:schemeClr>
+                </a:glow>
+              </a:effectLst>
+            </c:spPr>
+          </c:marker>
+          <c:xVal>
+            <c:strRef>
+              <c:f>Sheet1!$A$23:$A$34</c:f>
+              <c:strCache>
+                <c:ptCount val="12"/>
+                <c:pt idx="0">
+                  <c:v>1850-1859</c:v>
+                </c:pt>
+                <c:pt idx="1">
+                  <c:v>1860-1869</c:v>
+                </c:pt>
+                <c:pt idx="2">
+                  <c:v>1870-1879</c:v>
+                </c:pt>
+                <c:pt idx="3">
+                  <c:v>1880-1889</c:v>
+                </c:pt>
+                <c:pt idx="4">
+                  <c:v>1890-1899</c:v>
+                </c:pt>
+                <c:pt idx="5">
+                  <c:v>1900-1909</c:v>
+                </c:pt>
+                <c:pt idx="6">
+                  <c:v>1910-1919</c:v>
+                </c:pt>
+                <c:pt idx="7">
+                  <c:v>1920-1929</c:v>
+                </c:pt>
+                <c:pt idx="8">
+                  <c:v>1930-1939</c:v>
+                </c:pt>
+                <c:pt idx="9">
+                  <c:v>1940-1949</c:v>
+                </c:pt>
+                <c:pt idx="10">
+                  <c:v>1950-1959</c:v>
+                </c:pt>
+                <c:pt idx="11">
+                  <c:v>1960-1970</c:v>
+                </c:pt>
+              </c:strCache>
+            </c:strRef>
+          </c:xVal>
+          <c:yVal>
+            <c:numRef>
+              <c:f>Sheet1!$C$23:$C$34</c:f>
+              <c:numCache>
+                <c:formatCode>General</c:formatCode>
+                <c:ptCount val="12"/>
+                <c:pt idx="0">
+                  <c:v>2630</c:v>
+                </c:pt>
+                <c:pt idx="1">
+                  <c:v>4063</c:v>
+                </c:pt>
+                <c:pt idx="2">
+                  <c:v>1208</c:v>
+                </c:pt>
+                <c:pt idx="3">
+                  <c:v>467</c:v>
+                </c:pt>
+                <c:pt idx="4">
+                  <c:v>230</c:v>
+                </c:pt>
+                <c:pt idx="5">
+                  <c:v>157</c:v>
+                </c:pt>
+                <c:pt idx="6">
+                  <c:v>108</c:v>
+                </c:pt>
+                <c:pt idx="7">
+                  <c:v>80</c:v>
+                </c:pt>
+                <c:pt idx="8">
+                  <c:v>70</c:v>
+                </c:pt>
+                <c:pt idx="9">
+                  <c:v>40</c:v>
+                </c:pt>
+                <c:pt idx="10">
+                  <c:v>11</c:v>
+                </c:pt>
+                <c:pt idx="11">
+                  <c:v>7</c:v>
+                </c:pt>
+              </c:numCache>
+            </c:numRef>
+          </c:yVal>
+          <c:smooth val="1"/>
+          <c:extLst>
+            <c:ext xmlns:c16="http://schemas.microsoft.com/office/drawing/2014/chart" uri="{C3380CC4-5D6E-409C-BE32-E72D297353CC}">
+              <c16:uniqueId val="{00000001-BD75-4DE2-8AA5-BA42E8F5F4FD}"/>
+            </c:ext>
+          </c:extLst>
+        </c:ser>
+        <c:dLbls>
+          <c:showLegendKey val="0"/>
+          <c:showVal val="0"/>
+          <c:showCatName val="0"/>
+          <c:showSerName val="0"/>
+          <c:showPercent val="0"/>
+          <c:showBubbleSize val="0"/>
+        </c:dLbls>
+        <c:axId val="2031093167"/>
+        <c:axId val="2054840191"/>
+      </c:scatterChart>
+      <c:valAx>
+        <c:axId val="2031093167"/>
+        <c:scaling>
+          <c:orientation val="minMax"/>
+        </c:scaling>
+        <c:delete val="1"/>
+        <c:axPos val="b"/>
+        <c:majorGridlines>
+          <c:spPr>
+            <a:ln w="9525" cap="flat" cmpd="sng" algn="ctr">
+              <a:solidFill>
+                <a:schemeClr val="dk1">
+                  <a:lumMod val="65000"/>
+                  <a:lumOff val="35000"/>
+                  <a:alpha val="75000"/>
+                </a:schemeClr>
+              </a:solidFill>
+              <a:round/>
+            </a:ln>
+            <a:effectLst/>
+          </c:spPr>
+        </c:majorGridlines>
+        <c:title>
+          <c:tx>
+            <c:rich>
+              <a:bodyPr rot="0" spcFirstLastPara="1" vertOverflow="ellipsis" vert="horz" wrap="square" anchor="ctr" anchorCtr="1"/>
+              <a:lstStyle/>
+              <a:p>
+                <a:pPr>
+                  <a:defRPr sz="900" b="1" i="0" u="none" strike="noStrike" kern="1200" baseline="0">
+                    <a:solidFill>
+                      <a:schemeClr val="lt1">
+                        <a:lumMod val="75000"/>
+                      </a:schemeClr>
+                    </a:solidFill>
+                    <a:latin typeface="+mn-lt"/>
+                    <a:ea typeface="+mn-ea"/>
+                    <a:cs typeface="+mn-cs"/>
+                  </a:defRPr>
+                </a:pPr>
+                <a:r>
+                  <a:rPr lang="en-US"/>
+                  <a:t>Times</a:t>
+                </a:r>
+              </a:p>
+            </c:rich>
+          </c:tx>
+          <c:overlay val="0"/>
+          <c:spPr>
+            <a:noFill/>
+            <a:ln>
+              <a:noFill/>
+            </a:ln>
+            <a:effectLst/>
+          </c:spPr>
+          <c:txPr>
+            <a:bodyPr rot="0" spcFirstLastPara="1" vertOverflow="ellipsis" vert="horz" wrap="square" anchor="ctr" anchorCtr="1"/>
+            <a:lstStyle/>
+            <a:p>
+              <a:pPr>
+                <a:defRPr sz="900" b="1" i="0" u="none" strike="noStrike" kern="1200" baseline="0">
+                  <a:solidFill>
+                    <a:schemeClr val="lt1">
+                      <a:lumMod val="75000"/>
+                    </a:schemeClr>
+                  </a:solidFill>
+                  <a:latin typeface="+mn-lt"/>
+                  <a:ea typeface="+mn-ea"/>
+                  <a:cs typeface="+mn-cs"/>
+                </a:defRPr>
+              </a:pPr>
+              <a:endParaRPr lang="en-US"/>
+            </a:p>
+          </c:txPr>
+        </c:title>
+        <c:majorTickMark val="none"/>
+        <c:minorTickMark val="none"/>
+        <c:tickLblPos val="nextTo"/>
+        <c:crossAx val="2054840191"/>
+        <c:crosses val="autoZero"/>
+        <c:crossBetween val="midCat"/>
+      </c:valAx>
+      <c:valAx>
+        <c:axId val="2054840191"/>
+        <c:scaling>
+          <c:orientation val="minMax"/>
+        </c:scaling>
+        <c:delete val="1"/>
+        <c:axPos val="l"/>
+        <c:majorGridlines>
+          <c:spPr>
+            <a:ln w="9525" cap="flat" cmpd="sng" algn="ctr">
+              <a:solidFill>
+                <a:schemeClr val="dk1">
+                  <a:lumMod val="65000"/>
+                  <a:lumOff val="35000"/>
+                  <a:alpha val="75000"/>
+                </a:schemeClr>
+              </a:solidFill>
+              <a:round/>
+            </a:ln>
+            <a:effectLst/>
+          </c:spPr>
+        </c:majorGridlines>
+        <c:title>
+          <c:tx>
+            <c:rich>
+              <a:bodyPr rot="-5400000" spcFirstLastPara="1" vertOverflow="ellipsis" vert="horz" wrap="square" anchor="ctr" anchorCtr="1"/>
+              <a:lstStyle/>
+              <a:p>
+                <a:pPr>
+                  <a:defRPr sz="900" b="1" i="0" u="none" strike="noStrike" kern="1200" baseline="0">
+                    <a:solidFill>
+                      <a:schemeClr val="lt1">
+                        <a:lumMod val="75000"/>
+                      </a:schemeClr>
+                    </a:solidFill>
+                    <a:latin typeface="+mn-lt"/>
+                    <a:ea typeface="+mn-ea"/>
+                    <a:cs typeface="+mn-cs"/>
+                  </a:defRPr>
+                </a:pPr>
+                <a:r>
+                  <a:rPr lang="en-US"/>
+                  <a:t>Number</a:t>
+                </a:r>
+              </a:p>
+            </c:rich>
+          </c:tx>
+          <c:overlay val="0"/>
+          <c:spPr>
+            <a:noFill/>
+            <a:ln>
+              <a:noFill/>
+            </a:ln>
+            <a:effectLst/>
+          </c:spPr>
+          <c:txPr>
+            <a:bodyPr rot="-5400000" spcFirstLastPara="1" vertOverflow="ellipsis" vert="horz" wrap="square" anchor="ctr" anchorCtr="1"/>
+            <a:lstStyle/>
+            <a:p>
+              <a:pPr>
+                <a:defRPr sz="900" b="1" i="0" u="none" strike="noStrike" kern="1200" baseline="0">
+                  <a:solidFill>
+                    <a:schemeClr val="lt1">
+                      <a:lumMod val="75000"/>
+                    </a:schemeClr>
+                  </a:solidFill>
+                  <a:latin typeface="+mn-lt"/>
+                  <a:ea typeface="+mn-ea"/>
+                  <a:cs typeface="+mn-cs"/>
+                </a:defRPr>
+              </a:pPr>
+              <a:endParaRPr lang="en-US"/>
+            </a:p>
+          </c:txPr>
+        </c:title>
+        <c:numFmt formatCode="General" sourceLinked="1"/>
+        <c:majorTickMark val="none"/>
+        <c:minorTickMark val="none"/>
+        <c:tickLblPos val="nextTo"/>
+        <c:crossAx val="2031093167"/>
+        <c:crosses val="autoZero"/>
+        <c:crossBetween val="midCat"/>
+      </c:valAx>
+      <c:spPr>
+        <a:noFill/>
+        <a:ln>
+          <a:noFill/>
+        </a:ln>
+        <a:effectLst/>
+      </c:spPr>
+    </c:plotArea>
+    <c:legend>
+      <c:legendPos val="r"/>
+      <c:overlay val="0"/>
+      <c:spPr>
+        <a:noFill/>
+        <a:ln>
+          <a:noFill/>
+        </a:ln>
+        <a:effectLst/>
+      </c:spPr>
+      <c:txPr>
+        <a:bodyPr rot="0" spcFirstLastPara="1" vertOverflow="ellipsis" vert="horz" wrap="square" anchor="ctr" anchorCtr="1"/>
+        <a:lstStyle/>
+        <a:p>
+          <a:pPr>
+            <a:defRPr sz="900" b="0" i="0" u="none" strike="noStrike" kern="1200" baseline="0">
+              <a:solidFill>
+                <a:schemeClr val="lt1">
+                  <a:lumMod val="75000"/>
+                </a:schemeClr>
+              </a:solidFill>
+              <a:latin typeface="+mn-lt"/>
+              <a:ea typeface="+mn-ea"/>
+              <a:cs typeface="+mn-cs"/>
+            </a:defRPr>
+          </a:pPr>
+          <a:endParaRPr lang="en-US"/>
+        </a:p>
+      </c:txPr>
+    </c:legend>
+    <c:plotVisOnly val="1"/>
+    <c:dispBlanksAs val="gap"/>
+    <c:extLst>
+      <c:ext xmlns:c16r3="http://schemas.microsoft.com/office/drawing/2017/03/chart" uri="{56B9EC1D-385E-4148-901F-78D8002777C0}">
+        <c16r3:dataDisplayOptions16>
+          <c16r3:dispNaAsBlank val="1"/>
+        </c16r3:dataDisplayOptions16>
+      </c:ext>
+    </c:extLst>
+    <c:showDLblsOverMax val="0"/>
+  </c:chart>
+  <c:spPr>
+    <a:solidFill>
+      <a:schemeClr val="dk1">
+        <a:lumMod val="75000"/>
+        <a:lumOff val="25000"/>
+      </a:schemeClr>
+    </a:solidFill>
+    <a:ln w="9525" cap="flat" cmpd="sng" algn="ctr">
+      <a:noFill/>
+      <a:round/>
+    </a:ln>
+    <a:effectLst/>
+  </c:spPr>
+  <c:txPr>
+    <a:bodyPr/>
+    <a:lstStyle/>
+    <a:p>
+      <a:pPr>
+        <a:defRPr/>
+      </a:pPr>
+      <a:endParaRPr lang="en-US"/>
+    </a:p>
+  </c:txPr>
+  <c:externalData r:id="rId3">
+    <c:autoUpdate val="0"/>
+  </c:externalData>
+</c:chartSpace>
+</file>
+
+<file path=ppt/charts/chart3.xml><?xml version="1.0" encoding="utf-8"?>
+<c:chartSpace xmlns:c="http://schemas.openxmlformats.org/drawingml/2006/chart" xmlns:a="http://schemas.openxmlformats.org/drawingml/2006/main" xmlns:r="http://schemas.openxmlformats.org/officeDocument/2006/relationships" xmlns:c16r2="http://schemas.microsoft.com/office/drawing/2015/06/chart">
+  <c:date1904 val="0"/>
+  <c:lang val="en-US"/>
+  <c:roundedCorners val="1"/>
+  <mc:AlternateContent xmlns:mc="http://schemas.openxmlformats.org/markup-compatibility/2006">
+    <mc:Choice xmlns:c14="http://schemas.microsoft.com/office/drawing/2007/8/2/chart" Requires="c14">
+      <c14:style val="107"/>
+    </mc:Choice>
+    <mc:Fallback>
+      <c:style val="7"/>
+    </mc:Fallback>
+  </mc:AlternateContent>
+  <c:chart>
+    <c:title>
+      <c:tx>
+        <c:rich>
+          <a:bodyPr rot="0" spcFirstLastPara="1" vertOverflow="ellipsis" vert="horz" wrap="square" anchor="ctr" anchorCtr="1"/>
+          <a:lstStyle/>
+          <a:p>
+            <a:pPr>
+              <a:defRPr sz="1400" b="1" i="0" u="none" strike="noStrike" kern="1200" cap="none" baseline="0">
+                <a:solidFill>
+                  <a:schemeClr val="lt1">
+                    <a:lumMod val="85000"/>
+                  </a:schemeClr>
+                </a:solidFill>
+                <a:latin typeface="+mn-lt"/>
+                <a:ea typeface="+mn-ea"/>
+                <a:cs typeface="+mn-cs"/>
+              </a:defRPr>
+            </a:pPr>
+            <a:r>
+              <a:rPr lang="en-US"/>
+              <a:t>Deaths by Gender</a:t>
+            </a:r>
+          </a:p>
+        </c:rich>
+      </c:tx>
+      <c:overlay val="0"/>
+      <c:spPr>
+        <a:noFill/>
+        <a:ln>
+          <a:noFill/>
+        </a:ln>
+        <a:effectLst/>
+      </c:spPr>
+      <c:txPr>
+        <a:bodyPr rot="0" spcFirstLastPara="1" vertOverflow="ellipsis" vert="horz" wrap="square" anchor="ctr" anchorCtr="1"/>
+        <a:lstStyle/>
+        <a:p>
+          <a:pPr>
+            <a:defRPr sz="1400" b="1" i="0" u="none" strike="noStrike" kern="1200" cap="none" baseline="0">
+              <a:solidFill>
+                <a:schemeClr val="lt1">
+                  <a:lumMod val="85000"/>
+                </a:schemeClr>
+              </a:solidFill>
+              <a:latin typeface="+mn-lt"/>
+              <a:ea typeface="+mn-ea"/>
+              <a:cs typeface="+mn-cs"/>
+            </a:defRPr>
+          </a:pPr>
+          <a:endParaRPr lang="en-US"/>
+        </a:p>
+      </c:txPr>
+    </c:title>
+    <c:autoTitleDeleted val="0"/>
+    <c:plotArea>
+      <c:layout/>
+      <c:lineChart>
+        <c:grouping val="standard"/>
+        <c:varyColors val="0"/>
+        <c:ser>
+          <c:idx val="0"/>
+          <c:order val="0"/>
+          <c:tx>
+            <c:v>Women</c:v>
+          </c:tx>
+          <c:spPr>
+            <a:ln w="22225" cap="rnd">
+              <a:solidFill>
+                <a:srgbClr val="FF66CC"/>
+              </a:solidFill>
+            </a:ln>
+            <a:effectLst>
+              <a:glow rad="139700">
+                <a:schemeClr val="accent5">
+                  <a:tint val="77000"/>
+                  <a:satMod val="175000"/>
+                  <a:alpha val="14000"/>
+                </a:schemeClr>
+              </a:glow>
+            </a:effectLst>
+          </c:spPr>
+          <c:marker>
+            <c:symbol val="none"/>
+          </c:marker>
+          <c:cat>
+            <c:strRef>
+              <c:f>'Male vs Female'!$A$23:$A$35</c:f>
+              <c:strCache>
+                <c:ptCount val="13"/>
+                <c:pt idx="0">
+                  <c:v>1850-1859</c:v>
+                </c:pt>
+                <c:pt idx="1">
+                  <c:v>1860-1869</c:v>
+                </c:pt>
+                <c:pt idx="2">
+                  <c:v>1870-1879</c:v>
+                </c:pt>
+                <c:pt idx="3">
+                  <c:v>1880-1889</c:v>
+                </c:pt>
+                <c:pt idx="4">
+                  <c:v>1890-1899</c:v>
+                </c:pt>
+                <c:pt idx="5">
+                  <c:v>1900-1909</c:v>
+                </c:pt>
+                <c:pt idx="6">
+                  <c:v>1910-1919</c:v>
+                </c:pt>
+                <c:pt idx="7">
+                  <c:v>1920-1929</c:v>
+                </c:pt>
+                <c:pt idx="8">
+                  <c:v>1930-1939</c:v>
+                </c:pt>
+                <c:pt idx="9">
+                  <c:v>1940-1949</c:v>
+                </c:pt>
+                <c:pt idx="10">
+                  <c:v>1950-1959</c:v>
+                </c:pt>
+                <c:pt idx="11">
+                  <c:v>1960-1970</c:v>
+                </c:pt>
+                <c:pt idx="12">
+                  <c:v>&gt;1970</c:v>
+                </c:pt>
+              </c:strCache>
+            </c:strRef>
+          </c:cat>
+          <c:val>
+            <c:numRef>
+              <c:f>'Male vs Female'!$B$23:$B$35</c:f>
+              <c:numCache>
+                <c:formatCode>0.00%</c:formatCode>
+                <c:ptCount val="13"/>
+                <c:pt idx="0">
+                  <c:v>0.46040213377102995</c:v>
+                </c:pt>
+                <c:pt idx="1">
+                  <c:v>0.47956961701037532</c:v>
+                </c:pt>
+                <c:pt idx="2">
+                  <c:v>0.50369761709120786</c:v>
+                </c:pt>
+                <c:pt idx="3">
+                  <c:v>0.52053388090349073</c:v>
+                </c:pt>
+                <c:pt idx="4">
+                  <c:v>0.51578947368421058</c:v>
+                </c:pt>
+                <c:pt idx="5">
+                  <c:v>0.51543209876543206</c:v>
+                </c:pt>
+                <c:pt idx="6">
+                  <c:v>0.54430379746835444</c:v>
+                </c:pt>
+                <c:pt idx="7">
+                  <c:v>0.54285714285714282</c:v>
+                </c:pt>
+                <c:pt idx="8">
+                  <c:v>0.50704225352112675</c:v>
+                </c:pt>
+                <c:pt idx="9">
+                  <c:v>0.48717948717948717</c:v>
+                </c:pt>
+                <c:pt idx="10">
+                  <c:v>0.59259259259259256</c:v>
+                </c:pt>
+                <c:pt idx="11">
+                  <c:v>0.5625</c:v>
+                </c:pt>
+                <c:pt idx="12">
+                  <c:v>0.76923076923076927</c:v>
+                </c:pt>
+              </c:numCache>
+            </c:numRef>
+          </c:val>
+          <c:smooth val="1"/>
+          <c:extLst>
+            <c:ext xmlns:c16="http://schemas.microsoft.com/office/drawing/2014/chart" uri="{C3380CC4-5D6E-409C-BE32-E72D297353CC}">
+              <c16:uniqueId val="{00000000-C74B-47FA-A6A0-CA86A0679A88}"/>
+            </c:ext>
+          </c:extLst>
+        </c:ser>
+        <c:ser>
+          <c:idx val="1"/>
+          <c:order val="1"/>
+          <c:tx>
+            <c:v>Men</c:v>
+          </c:tx>
+          <c:spPr>
+            <a:ln w="22225" cap="rnd">
+              <a:solidFill>
+                <a:schemeClr val="accent5">
+                  <a:shade val="76000"/>
+                </a:schemeClr>
+              </a:solidFill>
+            </a:ln>
+            <a:effectLst>
+              <a:glow rad="139700">
+                <a:schemeClr val="accent5">
+                  <a:shade val="76000"/>
+                  <a:satMod val="175000"/>
+                  <a:alpha val="14000"/>
+                </a:schemeClr>
+              </a:glow>
+            </a:effectLst>
+          </c:spPr>
+          <c:marker>
+            <c:symbol val="none"/>
+          </c:marker>
+          <c:cat>
+            <c:strRef>
+              <c:f>'Male vs Female'!$A$23:$A$35</c:f>
+              <c:strCache>
+                <c:ptCount val="13"/>
+                <c:pt idx="0">
+                  <c:v>1850-1859</c:v>
+                </c:pt>
+                <c:pt idx="1">
+                  <c:v>1860-1869</c:v>
+                </c:pt>
+                <c:pt idx="2">
+                  <c:v>1870-1879</c:v>
+                </c:pt>
+                <c:pt idx="3">
+                  <c:v>1880-1889</c:v>
+                </c:pt>
+                <c:pt idx="4">
+                  <c:v>1890-1899</c:v>
+                </c:pt>
+                <c:pt idx="5">
+                  <c:v>1900-1909</c:v>
+                </c:pt>
+                <c:pt idx="6">
+                  <c:v>1910-1919</c:v>
+                </c:pt>
+                <c:pt idx="7">
+                  <c:v>1920-1929</c:v>
+                </c:pt>
+                <c:pt idx="8">
+                  <c:v>1930-1939</c:v>
+                </c:pt>
+                <c:pt idx="9">
+                  <c:v>1940-1949</c:v>
+                </c:pt>
+                <c:pt idx="10">
+                  <c:v>1950-1959</c:v>
+                </c:pt>
+                <c:pt idx="11">
+                  <c:v>1960-1970</c:v>
+                </c:pt>
+                <c:pt idx="12">
+                  <c:v>&gt;1970</c:v>
+                </c:pt>
+              </c:strCache>
+            </c:strRef>
+          </c:cat>
+          <c:val>
+            <c:numRef>
+              <c:f>'Male vs Female'!$C$23:$C$35</c:f>
+              <c:numCache>
+                <c:formatCode>0.00%</c:formatCode>
+                <c:ptCount val="13"/>
+                <c:pt idx="0">
+                  <c:v>0.53959786622896999</c:v>
+                </c:pt>
+                <c:pt idx="1">
+                  <c:v>0.52043038298962474</c:v>
+                </c:pt>
+                <c:pt idx="2">
+                  <c:v>0.49630238290879214</c:v>
+                </c:pt>
+                <c:pt idx="3">
+                  <c:v>0.47946611909650921</c:v>
+                </c:pt>
+                <c:pt idx="4">
+                  <c:v>0.48421052631578948</c:v>
+                </c:pt>
+                <c:pt idx="5">
+                  <c:v>0.48456790123456789</c:v>
+                </c:pt>
+                <c:pt idx="6">
+                  <c:v>0.45569620253164556</c:v>
+                </c:pt>
+                <c:pt idx="7">
+                  <c:v>0.45714285714285713</c:v>
+                </c:pt>
+                <c:pt idx="8">
+                  <c:v>0.49295774647887325</c:v>
+                </c:pt>
+                <c:pt idx="9">
+                  <c:v>0.51282051282051277</c:v>
+                </c:pt>
+                <c:pt idx="10">
+                  <c:v>0.40740740740740738</c:v>
+                </c:pt>
+                <c:pt idx="11">
+                  <c:v>0.4375</c:v>
+                </c:pt>
+                <c:pt idx="12">
+                  <c:v>0.23076923076923078</c:v>
+                </c:pt>
+              </c:numCache>
+            </c:numRef>
+          </c:val>
+          <c:smooth val="1"/>
+          <c:extLst>
+            <c:ext xmlns:c16="http://schemas.microsoft.com/office/drawing/2014/chart" uri="{C3380CC4-5D6E-409C-BE32-E72D297353CC}">
+              <c16:uniqueId val="{00000001-C74B-47FA-A6A0-CA86A0679A88}"/>
+            </c:ext>
+          </c:extLst>
+        </c:ser>
+        <c:dLbls>
+          <c:showLegendKey val="0"/>
+          <c:showVal val="0"/>
+          <c:showCatName val="0"/>
+          <c:showSerName val="0"/>
+          <c:showPercent val="0"/>
+          <c:showBubbleSize val="0"/>
+        </c:dLbls>
+        <c:smooth val="0"/>
+        <c:axId val="1424204159"/>
+        <c:axId val="1764500687"/>
+      </c:lineChart>
+      <c:catAx>
+        <c:axId val="1424204159"/>
+        <c:scaling>
+          <c:orientation val="minMax"/>
+        </c:scaling>
+        <c:delete val="0"/>
+        <c:axPos val="b"/>
+        <c:majorGridlines>
+          <c:spPr>
+            <a:ln w="9525" cap="flat" cmpd="sng" algn="ctr">
+              <a:gradFill>
+                <a:gsLst>
+                  <a:gs pos="100000">
+                    <a:schemeClr val="dk1">
+                      <a:lumMod val="75000"/>
+                      <a:lumOff val="25000"/>
+                    </a:schemeClr>
+                  </a:gs>
+                  <a:gs pos="0">
+                    <a:schemeClr val="dk1">
+                      <a:lumMod val="65000"/>
+                      <a:lumOff val="35000"/>
+                    </a:schemeClr>
+                  </a:gs>
+                </a:gsLst>
+                <a:lin ang="5400000" scaled="0"/>
+              </a:gradFill>
+              <a:round/>
+            </a:ln>
+            <a:effectLst/>
+          </c:spPr>
+        </c:majorGridlines>
+        <c:numFmt formatCode="General" sourceLinked="1"/>
+        <c:majorTickMark val="none"/>
+        <c:minorTickMark val="none"/>
+        <c:tickLblPos val="nextTo"/>
+        <c:spPr>
+          <a:noFill/>
+          <a:ln>
+            <a:noFill/>
+          </a:ln>
+          <a:effectLst/>
+        </c:spPr>
+        <c:txPr>
+          <a:bodyPr rot="-60000000" spcFirstLastPara="1" vertOverflow="ellipsis" vert="horz" wrap="square" anchor="ctr" anchorCtr="1"/>
+          <a:lstStyle/>
+          <a:p>
+            <a:pPr>
+              <a:defRPr sz="900" b="0" i="0" u="none" strike="noStrike" kern="1200" baseline="0">
+                <a:solidFill>
+                  <a:schemeClr val="lt1">
+                    <a:lumMod val="75000"/>
+                  </a:schemeClr>
+                </a:solidFill>
+                <a:latin typeface="+mn-lt"/>
+                <a:ea typeface="+mn-ea"/>
+                <a:cs typeface="+mn-cs"/>
+              </a:defRPr>
+            </a:pPr>
+            <a:endParaRPr lang="en-US"/>
+          </a:p>
+        </c:txPr>
+        <c:crossAx val="1764500687"/>
+        <c:crosses val="autoZero"/>
+        <c:auto val="1"/>
+        <c:lblAlgn val="ctr"/>
+        <c:lblOffset val="100"/>
+        <c:noMultiLvlLbl val="0"/>
+      </c:catAx>
+      <c:valAx>
+        <c:axId val="1764500687"/>
+        <c:scaling>
+          <c:orientation val="minMax"/>
+        </c:scaling>
+        <c:delete val="0"/>
+        <c:axPos val="l"/>
+        <c:majorGridlines>
+          <c:spPr>
+            <a:ln w="9525" cap="flat" cmpd="sng" algn="ctr">
+              <a:gradFill>
+                <a:gsLst>
+                  <a:gs pos="100000">
+                    <a:schemeClr val="dk1">
+                      <a:lumMod val="75000"/>
+                      <a:lumOff val="25000"/>
+                    </a:schemeClr>
+                  </a:gs>
+                  <a:gs pos="0">
+                    <a:schemeClr val="dk1">
+                      <a:lumMod val="65000"/>
+                      <a:lumOff val="35000"/>
+                    </a:schemeClr>
+                  </a:gs>
+                </a:gsLst>
+                <a:lin ang="5400000" scaled="0"/>
+              </a:gradFill>
+              <a:round/>
+            </a:ln>
+            <a:effectLst/>
+          </c:spPr>
+        </c:majorGridlines>
+        <c:numFmt formatCode="0.00%" sourceLinked="1"/>
+        <c:majorTickMark val="none"/>
+        <c:minorTickMark val="none"/>
+        <c:tickLblPos val="nextTo"/>
+        <c:spPr>
+          <a:noFill/>
+          <a:ln>
+            <a:noFill/>
+          </a:ln>
+          <a:effectLst/>
+        </c:spPr>
+        <c:txPr>
+          <a:bodyPr rot="-60000000" spcFirstLastPara="1" vertOverflow="ellipsis" vert="horz" wrap="square" anchor="ctr" anchorCtr="1"/>
+          <a:lstStyle/>
+          <a:p>
+            <a:pPr>
+              <a:defRPr sz="900" b="0" i="0" u="none" strike="noStrike" kern="1200" baseline="0">
+                <a:solidFill>
+                  <a:schemeClr val="lt1">
+                    <a:lumMod val="75000"/>
+                  </a:schemeClr>
+                </a:solidFill>
+                <a:latin typeface="+mn-lt"/>
+                <a:ea typeface="+mn-ea"/>
+                <a:cs typeface="+mn-cs"/>
+              </a:defRPr>
+            </a:pPr>
+            <a:endParaRPr lang="en-US"/>
+          </a:p>
+        </c:txPr>
+        <c:crossAx val="1424204159"/>
+        <c:crosses val="autoZero"/>
+        <c:crossBetween val="between"/>
+      </c:valAx>
+      <c:spPr>
+        <a:noFill/>
+        <a:ln>
+          <a:noFill/>
+        </a:ln>
+        <a:effectLst/>
+      </c:spPr>
+    </c:plotArea>
+    <c:legend>
+      <c:legendPos val="t"/>
+      <c:overlay val="0"/>
+      <c:spPr>
+        <a:noFill/>
+        <a:ln>
+          <a:noFill/>
+        </a:ln>
+        <a:effectLst/>
+      </c:spPr>
+      <c:txPr>
+        <a:bodyPr rot="0" spcFirstLastPara="1" vertOverflow="ellipsis" vert="horz" wrap="square" anchor="ctr" anchorCtr="1"/>
+        <a:lstStyle/>
+        <a:p>
+          <a:pPr>
+            <a:defRPr sz="900" b="0" i="0" u="none" strike="noStrike" kern="1200" baseline="0">
+              <a:solidFill>
+                <a:schemeClr val="lt1">
+                  <a:lumMod val="75000"/>
+                </a:schemeClr>
+              </a:solidFill>
+              <a:latin typeface="+mn-lt"/>
+              <a:ea typeface="+mn-ea"/>
+              <a:cs typeface="+mn-cs"/>
+            </a:defRPr>
+          </a:pPr>
+          <a:endParaRPr lang="en-US"/>
+        </a:p>
+      </c:txPr>
+    </c:legend>
+    <c:plotVisOnly val="1"/>
+    <c:dispBlanksAs val="gap"/>
+    <c:extLst>
+      <c:ext xmlns:c16r3="http://schemas.microsoft.com/office/drawing/2017/03/chart" uri="{56B9EC1D-385E-4148-901F-78D8002777C0}">
+        <c16r3:dataDisplayOptions16>
+          <c16r3:dispNaAsBlank val="1"/>
+        </c16r3:dataDisplayOptions16>
+      </c:ext>
+    </c:extLst>
+    <c:showDLblsOverMax val="0"/>
+  </c:chart>
+  <c:spPr>
+    <a:solidFill>
+      <a:schemeClr val="dk1">
+        <a:lumMod val="75000"/>
+        <a:lumOff val="25000"/>
+      </a:schemeClr>
+    </a:solidFill>
+    <a:ln w="9525" cap="flat" cmpd="sng" algn="ctr">
+      <a:noFill/>
+      <a:round/>
+    </a:ln>
+    <a:effectLst/>
+  </c:spPr>
+  <c:txPr>
+    <a:bodyPr/>
+    <a:lstStyle/>
+    <a:p>
+      <a:pPr>
+        <a:defRPr/>
+      </a:pPr>
+      <a:endParaRPr lang="en-US"/>
+    </a:p>
+  </c:txPr>
+  <c:externalData r:id="rId3">
+    <c:autoUpdate val="0"/>
+  </c:externalData>
+</c:chartSpace>
+</file>
+
+<file path=ppt/charts/chart4.xml><?xml version="1.0" encoding="utf-8"?>
+<c:chartSpace xmlns:c="http://schemas.openxmlformats.org/drawingml/2006/chart" xmlns:a="http://schemas.openxmlformats.org/drawingml/2006/main" xmlns:r="http://schemas.openxmlformats.org/officeDocument/2006/relationships" xmlns:c16r2="http://schemas.microsoft.com/office/drawing/2015/06/chart">
+  <c:date1904 val="0"/>
+  <c:lang val="en-US"/>
+  <c:roundedCorners val="0"/>
+  <mc:AlternateContent xmlns:mc="http://schemas.openxmlformats.org/markup-compatibility/2006">
+    <mc:Choice xmlns:c14="http://schemas.microsoft.com/office/drawing/2007/8/2/chart" Requires="c14">
+      <c14:style val="102"/>
+    </mc:Choice>
+    <mc:Fallback>
+      <c:style val="2"/>
+    </mc:Fallback>
+  </mc:AlternateContent>
+  <c:chart>
+    <c:title>
+      <c:tx>
+        <c:rich>
+          <a:bodyPr rot="0" spcFirstLastPara="1" vertOverflow="ellipsis" vert="horz" wrap="square" anchor="ctr" anchorCtr="1"/>
+          <a:lstStyle/>
+          <a:p>
+            <a:pPr>
+              <a:defRPr sz="1600" b="1" i="0" u="none" strike="noStrike" kern="1200" spc="100" baseline="0">
+                <a:solidFill>
+                  <a:schemeClr val="lt1">
+                    <a:lumMod val="95000"/>
+                  </a:schemeClr>
+                </a:solidFill>
+                <a:effectLst>
+                  <a:outerShdw blurRad="50800" dist="38100" dir="5400000" algn="t" rotWithShape="0">
+                    <a:prstClr val="black">
+                      <a:alpha val="40000"/>
+                    </a:prstClr>
+                  </a:outerShdw>
+                </a:effectLst>
+                <a:latin typeface="+mn-lt"/>
+                <a:ea typeface="+mn-ea"/>
+                <a:cs typeface="+mn-cs"/>
+              </a:defRPr>
+            </a:pPr>
+            <a:r>
+              <a:rPr lang="en-US"/>
+              <a:t>Death by Gender</a:t>
+            </a:r>
+          </a:p>
+        </c:rich>
+      </c:tx>
+      <c:overlay val="0"/>
+      <c:spPr>
+        <a:noFill/>
+        <a:ln>
+          <a:noFill/>
+        </a:ln>
+        <a:effectLst/>
+      </c:spPr>
+      <c:txPr>
+        <a:bodyPr rot="0" spcFirstLastPara="1" vertOverflow="ellipsis" vert="horz" wrap="square" anchor="ctr" anchorCtr="1"/>
+        <a:lstStyle/>
+        <a:p>
+          <a:pPr>
+            <a:defRPr sz="1600" b="1" i="0" u="none" strike="noStrike" kern="1200" spc="100" baseline="0">
+              <a:solidFill>
+                <a:schemeClr val="lt1">
+                  <a:lumMod val="95000"/>
+                </a:schemeClr>
+              </a:solidFill>
+              <a:effectLst>
+                <a:outerShdw blurRad="50800" dist="38100" dir="5400000" algn="t" rotWithShape="0">
+                  <a:prstClr val="black">
+                    <a:alpha val="40000"/>
+                  </a:prstClr>
+                </a:outerShdw>
+              </a:effectLst>
+              <a:latin typeface="+mn-lt"/>
+              <a:ea typeface="+mn-ea"/>
+              <a:cs typeface="+mn-cs"/>
+            </a:defRPr>
+          </a:pPr>
+          <a:endParaRPr lang="en-US"/>
+        </a:p>
+      </c:txPr>
+    </c:title>
+    <c:autoTitleDeleted val="0"/>
+    <c:plotArea>
+      <c:layout/>
+      <c:barChart>
+        <c:barDir val="col"/>
+        <c:grouping val="clustered"/>
+        <c:varyColors val="0"/>
+        <c:ser>
+          <c:idx val="0"/>
+          <c:order val="0"/>
+          <c:tx>
+            <c:v>Female</c:v>
+          </c:tx>
+          <c:spPr>
+            <a:solidFill>
+              <a:srgbClr val="FF66CC"/>
+            </a:solidFill>
+            <a:ln>
+              <a:noFill/>
+            </a:ln>
+            <a:effectLst>
+              <a:outerShdw blurRad="57150" dist="19050" dir="5400000" algn="ctr" rotWithShape="0">
+                <a:srgbClr val="000000">
+                  <a:alpha val="63000"/>
+                </a:srgbClr>
+              </a:outerShdw>
+            </a:effectLst>
+          </c:spPr>
+          <c:invertIfNegative val="0"/>
+          <c:cat>
+            <c:strRef>
+              <c:f>'Male vs Female'!$A$23:$A$35</c:f>
+              <c:strCache>
+                <c:ptCount val="13"/>
+                <c:pt idx="0">
+                  <c:v>1850-1859</c:v>
+                </c:pt>
+                <c:pt idx="1">
+                  <c:v>1860-1869</c:v>
+                </c:pt>
+                <c:pt idx="2">
+                  <c:v>1870-1879</c:v>
+                </c:pt>
+                <c:pt idx="3">
+                  <c:v>1880-1889</c:v>
+                </c:pt>
+                <c:pt idx="4">
+                  <c:v>1890-1899</c:v>
+                </c:pt>
+                <c:pt idx="5">
+                  <c:v>1900-1909</c:v>
+                </c:pt>
+                <c:pt idx="6">
+                  <c:v>1910-1919</c:v>
+                </c:pt>
+                <c:pt idx="7">
+                  <c:v>1920-1929</c:v>
+                </c:pt>
+                <c:pt idx="8">
+                  <c:v>1930-1939</c:v>
+                </c:pt>
+                <c:pt idx="9">
+                  <c:v>1940-1949</c:v>
+                </c:pt>
+                <c:pt idx="10">
+                  <c:v>1950-1959</c:v>
+                </c:pt>
+                <c:pt idx="11">
+                  <c:v>1960-1970</c:v>
+                </c:pt>
+                <c:pt idx="12">
+                  <c:v>&gt;1970</c:v>
+                </c:pt>
+              </c:strCache>
+            </c:strRef>
+          </c:cat>
+          <c:val>
+            <c:numRef>
+              <c:f>'Male vs Female'!$B$23:$B$35</c:f>
+              <c:numCache>
+                <c:formatCode>0.00%</c:formatCode>
+                <c:ptCount val="13"/>
+                <c:pt idx="0">
+                  <c:v>0.46040213377102995</c:v>
+                </c:pt>
+                <c:pt idx="1">
+                  <c:v>0.47956961701037532</c:v>
+                </c:pt>
+                <c:pt idx="2">
+                  <c:v>0.50369761709120786</c:v>
+                </c:pt>
+                <c:pt idx="3">
+                  <c:v>0.52053388090349073</c:v>
+                </c:pt>
+                <c:pt idx="4">
+                  <c:v>0.51578947368421058</c:v>
+                </c:pt>
+                <c:pt idx="5">
+                  <c:v>0.51543209876543206</c:v>
+                </c:pt>
+                <c:pt idx="6">
+                  <c:v>0.54430379746835444</c:v>
+                </c:pt>
+                <c:pt idx="7">
+                  <c:v>0.54285714285714282</c:v>
+                </c:pt>
+                <c:pt idx="8">
+                  <c:v>0.50704225352112675</c:v>
+                </c:pt>
+                <c:pt idx="9">
+                  <c:v>0.48717948717948717</c:v>
+                </c:pt>
+                <c:pt idx="10">
+                  <c:v>0.59259259259259256</c:v>
+                </c:pt>
+                <c:pt idx="11">
+                  <c:v>0.5625</c:v>
+                </c:pt>
+                <c:pt idx="12">
+                  <c:v>0.76923076923076927</c:v>
+                </c:pt>
+              </c:numCache>
+            </c:numRef>
+          </c:val>
+          <c:extLst>
+            <c:ext xmlns:c16="http://schemas.microsoft.com/office/drawing/2014/chart" uri="{C3380CC4-5D6E-409C-BE32-E72D297353CC}">
+              <c16:uniqueId val="{00000000-FD84-479D-B5A2-EE39F12D2735}"/>
+            </c:ext>
+          </c:extLst>
+        </c:ser>
+        <c:ser>
+          <c:idx val="1"/>
+          <c:order val="1"/>
+          <c:tx>
+            <c:v>Male</c:v>
+          </c:tx>
+          <c:spPr>
+            <a:solidFill>
+              <a:schemeClr val="accent1">
+                <a:lumMod val="75000"/>
+              </a:schemeClr>
+            </a:solidFill>
+            <a:ln>
+              <a:noFill/>
+            </a:ln>
+            <a:effectLst>
+              <a:outerShdw blurRad="57150" dist="19050" dir="5400000" algn="ctr" rotWithShape="0">
+                <a:srgbClr val="000000">
+                  <a:alpha val="63000"/>
+                </a:srgbClr>
+              </a:outerShdw>
+            </a:effectLst>
+          </c:spPr>
+          <c:invertIfNegative val="0"/>
+          <c:cat>
+            <c:strRef>
+              <c:f>'Male vs Female'!$A$23:$A$35</c:f>
+              <c:strCache>
+                <c:ptCount val="13"/>
+                <c:pt idx="0">
+                  <c:v>1850-1859</c:v>
+                </c:pt>
+                <c:pt idx="1">
+                  <c:v>1860-1869</c:v>
+                </c:pt>
+                <c:pt idx="2">
+                  <c:v>1870-1879</c:v>
+                </c:pt>
+                <c:pt idx="3">
+                  <c:v>1880-1889</c:v>
+                </c:pt>
+                <c:pt idx="4">
+                  <c:v>1890-1899</c:v>
+                </c:pt>
+                <c:pt idx="5">
+                  <c:v>1900-1909</c:v>
+                </c:pt>
+                <c:pt idx="6">
+                  <c:v>1910-1919</c:v>
+                </c:pt>
+                <c:pt idx="7">
+                  <c:v>1920-1929</c:v>
+                </c:pt>
+                <c:pt idx="8">
+                  <c:v>1930-1939</c:v>
+                </c:pt>
+                <c:pt idx="9">
+                  <c:v>1940-1949</c:v>
+                </c:pt>
+                <c:pt idx="10">
+                  <c:v>1950-1959</c:v>
+                </c:pt>
+                <c:pt idx="11">
+                  <c:v>1960-1970</c:v>
+                </c:pt>
+                <c:pt idx="12">
+                  <c:v>&gt;1970</c:v>
+                </c:pt>
+              </c:strCache>
+            </c:strRef>
+          </c:cat>
+          <c:val>
+            <c:numRef>
+              <c:f>'Male vs Female'!$C$23:$C$35</c:f>
+              <c:numCache>
+                <c:formatCode>0.00%</c:formatCode>
+                <c:ptCount val="13"/>
+                <c:pt idx="0">
+                  <c:v>0.53959786622896999</c:v>
+                </c:pt>
+                <c:pt idx="1">
+                  <c:v>0.52043038298962474</c:v>
+                </c:pt>
+                <c:pt idx="2">
+                  <c:v>0.49630238290879214</c:v>
+                </c:pt>
+                <c:pt idx="3">
+                  <c:v>0.47946611909650921</c:v>
+                </c:pt>
+                <c:pt idx="4">
+                  <c:v>0.48421052631578948</c:v>
+                </c:pt>
+                <c:pt idx="5">
+                  <c:v>0.48456790123456789</c:v>
+                </c:pt>
+                <c:pt idx="6">
+                  <c:v>0.45569620253164556</c:v>
+                </c:pt>
+                <c:pt idx="7">
+                  <c:v>0.45714285714285713</c:v>
+                </c:pt>
+                <c:pt idx="8">
+                  <c:v>0.49295774647887325</c:v>
+                </c:pt>
+                <c:pt idx="9">
+                  <c:v>0.51282051282051277</c:v>
+                </c:pt>
+                <c:pt idx="10">
+                  <c:v>0.40740740740740738</c:v>
+                </c:pt>
+                <c:pt idx="11">
+                  <c:v>0.4375</c:v>
+                </c:pt>
+                <c:pt idx="12">
+                  <c:v>0.23076923076923078</c:v>
+                </c:pt>
+              </c:numCache>
+            </c:numRef>
+          </c:val>
+          <c:extLst>
+            <c:ext xmlns:c16="http://schemas.microsoft.com/office/drawing/2014/chart" uri="{C3380CC4-5D6E-409C-BE32-E72D297353CC}">
+              <c16:uniqueId val="{00000001-FD84-479D-B5A2-EE39F12D2735}"/>
+            </c:ext>
+          </c:extLst>
+        </c:ser>
+        <c:dLbls>
+          <c:showLegendKey val="0"/>
+          <c:showVal val="0"/>
+          <c:showCatName val="0"/>
+          <c:showSerName val="0"/>
+          <c:showPercent val="0"/>
+          <c:showBubbleSize val="0"/>
+        </c:dLbls>
+        <c:gapWidth val="100"/>
+        <c:overlap val="-24"/>
+        <c:axId val="1854782528"/>
+        <c:axId val="1679997600"/>
+      </c:barChart>
+      <c:catAx>
+        <c:axId val="1854782528"/>
+        <c:scaling>
+          <c:orientation val="minMax"/>
+        </c:scaling>
+        <c:delete val="0"/>
+        <c:axPos val="b"/>
+        <c:numFmt formatCode="General" sourceLinked="1"/>
+        <c:majorTickMark val="none"/>
+        <c:minorTickMark val="none"/>
+        <c:tickLblPos val="nextTo"/>
+        <c:spPr>
+          <a:noFill/>
+          <a:ln w="12700" cap="flat" cmpd="sng" algn="ctr">
+            <a:solidFill>
+              <a:schemeClr val="lt1">
+                <a:lumMod val="95000"/>
+                <a:alpha val="54000"/>
+              </a:schemeClr>
+            </a:solidFill>
+            <a:round/>
+          </a:ln>
+          <a:effectLst/>
+        </c:spPr>
+        <c:txPr>
+          <a:bodyPr rot="-60000000" spcFirstLastPara="1" vertOverflow="ellipsis" vert="horz" wrap="square" anchor="ctr" anchorCtr="1"/>
+          <a:lstStyle/>
+          <a:p>
+            <a:pPr>
+              <a:defRPr sz="900" b="0" i="0" u="none" strike="noStrike" kern="1200" baseline="0">
+                <a:solidFill>
+                  <a:schemeClr val="lt1">
+                    <a:lumMod val="85000"/>
+                  </a:schemeClr>
+                </a:solidFill>
+                <a:latin typeface="+mn-lt"/>
+                <a:ea typeface="+mn-ea"/>
+                <a:cs typeface="+mn-cs"/>
+              </a:defRPr>
+            </a:pPr>
+            <a:endParaRPr lang="en-US"/>
+          </a:p>
+        </c:txPr>
+        <c:crossAx val="1679997600"/>
+        <c:crosses val="autoZero"/>
+        <c:auto val="1"/>
+        <c:lblAlgn val="ctr"/>
+        <c:lblOffset val="100"/>
+        <c:noMultiLvlLbl val="0"/>
+      </c:catAx>
+      <c:valAx>
+        <c:axId val="1679997600"/>
+        <c:scaling>
+          <c:orientation val="minMax"/>
+        </c:scaling>
+        <c:delete val="0"/>
+        <c:axPos val="l"/>
+        <c:majorGridlines>
+          <c:spPr>
+            <a:ln w="9525" cap="flat" cmpd="sng" algn="ctr">
+              <a:solidFill>
+                <a:schemeClr val="lt1">
+                  <a:lumMod val="95000"/>
+                  <a:alpha val="10000"/>
+                </a:schemeClr>
+              </a:solidFill>
+              <a:round/>
+            </a:ln>
+            <a:effectLst/>
+          </c:spPr>
+        </c:majorGridlines>
+        <c:numFmt formatCode="0.00%" sourceLinked="1"/>
+        <c:majorTickMark val="none"/>
+        <c:minorTickMark val="none"/>
+        <c:tickLblPos val="nextTo"/>
+        <c:spPr>
+          <a:noFill/>
+          <a:ln>
+            <a:noFill/>
+          </a:ln>
+          <a:effectLst/>
+        </c:spPr>
+        <c:txPr>
+          <a:bodyPr rot="-60000000" spcFirstLastPara="1" vertOverflow="ellipsis" vert="horz" wrap="square" anchor="ctr" anchorCtr="1"/>
+          <a:lstStyle/>
+          <a:p>
+            <a:pPr>
+              <a:defRPr sz="900" b="0" i="0" u="none" strike="noStrike" kern="1200" baseline="0">
+                <a:solidFill>
+                  <a:schemeClr val="lt1">
+                    <a:lumMod val="85000"/>
+                  </a:schemeClr>
+                </a:solidFill>
+                <a:latin typeface="+mn-lt"/>
+                <a:ea typeface="+mn-ea"/>
+                <a:cs typeface="+mn-cs"/>
+              </a:defRPr>
+            </a:pPr>
+            <a:endParaRPr lang="en-US"/>
+          </a:p>
+        </c:txPr>
+        <c:crossAx val="1854782528"/>
+        <c:crosses val="autoZero"/>
+        <c:crossBetween val="between"/>
+      </c:valAx>
+      <c:spPr>
+        <a:noFill/>
+        <a:ln>
+          <a:noFill/>
+        </a:ln>
+        <a:effectLst/>
+      </c:spPr>
+    </c:plotArea>
+    <c:legend>
+      <c:legendPos val="b"/>
+      <c:overlay val="0"/>
+      <c:spPr>
+        <a:noFill/>
+        <a:ln>
+          <a:noFill/>
+        </a:ln>
+        <a:effectLst/>
+      </c:spPr>
+      <c:txPr>
+        <a:bodyPr rot="0" spcFirstLastPara="1" vertOverflow="ellipsis" vert="horz" wrap="square" anchor="ctr" anchorCtr="1"/>
+        <a:lstStyle/>
+        <a:p>
+          <a:pPr>
+            <a:defRPr sz="900" b="0" i="0" u="none" strike="noStrike" kern="1200" baseline="0">
+              <a:solidFill>
+                <a:schemeClr val="lt1">
+                  <a:lumMod val="85000"/>
+                </a:schemeClr>
+              </a:solidFill>
+              <a:latin typeface="+mn-lt"/>
+              <a:ea typeface="+mn-ea"/>
+              <a:cs typeface="+mn-cs"/>
+            </a:defRPr>
+          </a:pPr>
+          <a:endParaRPr lang="en-US"/>
+        </a:p>
+      </c:txPr>
+    </c:legend>
+    <c:plotVisOnly val="1"/>
+    <c:dispBlanksAs val="gap"/>
+    <c:extLst>
+      <c:ext xmlns:c16r3="http://schemas.microsoft.com/office/drawing/2017/03/chart" uri="{56B9EC1D-385E-4148-901F-78D8002777C0}">
+        <c16r3:dataDisplayOptions16>
+          <c16r3:dispNaAsBlank val="1"/>
+        </c16r3:dataDisplayOptions16>
+      </c:ext>
+    </c:extLst>
+    <c:showDLblsOverMax val="0"/>
+  </c:chart>
+  <c:spPr>
+    <a:gradFill flip="none" rotWithShape="1">
+      <a:gsLst>
+        <a:gs pos="0">
+          <a:schemeClr val="dk1">
+            <a:lumMod val="65000"/>
+            <a:lumOff val="35000"/>
+          </a:schemeClr>
+        </a:gs>
+        <a:gs pos="100000">
+          <a:schemeClr val="dk1">
+            <a:lumMod val="85000"/>
+            <a:lumOff val="15000"/>
+          </a:schemeClr>
+        </a:gs>
+      </a:gsLst>
+      <a:path path="circle">
+        <a:fillToRect l="50000" t="50000" r="50000" b="50000"/>
+      </a:path>
+      <a:tileRect/>
+    </a:gradFill>
+    <a:ln>
+      <a:noFill/>
+    </a:ln>
+    <a:effectLst/>
+  </c:spPr>
+  <c:txPr>
+    <a:bodyPr/>
+    <a:lstStyle/>
+    <a:p>
+      <a:pPr>
+        <a:defRPr/>
+      </a:pPr>
+      <a:endParaRPr lang="en-US"/>
+    </a:p>
+  </c:txPr>
+  <c:externalData r:id="rId3">
+    <c:autoUpdate val="0"/>
+  </c:externalData>
+</c:chartSpace>
+</file>
+
 <file path=ppt/charts/colors1.xml><?xml version="1.0" encoding="utf-8"?>
 <cs:colorStyle xmlns:cs="http://schemas.microsoft.com/office/drawing/2012/chartStyle" xmlns:a="http://schemas.openxmlformats.org/drawingml/2006/main" meth="withinLinearReversed" id="25">
   <a:schemeClr val="accent5"/>
+</cs:colorStyle>
+</file>
+
+<file path=ppt/charts/colors2.xml><?xml version="1.0" encoding="utf-8"?>
+<cs:colorStyle xmlns:cs="http://schemas.microsoft.com/office/drawing/2012/chartStyle" xmlns:a="http://schemas.openxmlformats.org/drawingml/2006/main" meth="cycle" id="10">
+  <a:schemeClr val="accent1"/>
+  <a:schemeClr val="accent2"/>
+  <a:schemeClr val="accent3"/>
+  <a:schemeClr val="accent4"/>
+  <a:schemeClr val="accent5"/>
+  <a:schemeClr val="accent6"/>
+  <cs:variation/>
+  <cs:variation>
+    <a:lumMod val="60000"/>
+  </cs:variation>
+  <cs:variation>
+    <a:lumMod val="80000"/>
+    <a:lumOff val="20000"/>
+  </cs:variation>
+  <cs:variation>
+    <a:lumMod val="80000"/>
+  </cs:variation>
+  <cs:variation>
+    <a:lumMod val="60000"/>
+    <a:lumOff val="40000"/>
+  </cs:variation>
+  <cs:variation>
+    <a:lumMod val="50000"/>
+  </cs:variation>
+  <cs:variation>
+    <a:lumMod val="70000"/>
+    <a:lumOff val="30000"/>
+  </cs:variation>
+  <cs:variation>
+    <a:lumMod val="70000"/>
+  </cs:variation>
+  <cs:variation>
+    <a:lumMod val="50000"/>
+    <a:lumOff val="50000"/>
+  </cs:variation>
+</cs:colorStyle>
+</file>
+
+<file path=ppt/charts/colors3.xml><?xml version="1.0" encoding="utf-8"?>
+<cs:colorStyle xmlns:cs="http://schemas.microsoft.com/office/drawing/2012/chartStyle" xmlns:a="http://schemas.openxmlformats.org/drawingml/2006/main" meth="withinLinearReversed" id="25">
+  <a:schemeClr val="accent5"/>
+</cs:colorStyle>
+</file>
+
+<file path=ppt/charts/colors4.xml><?xml version="1.0" encoding="utf-8"?>
+<cs:colorStyle xmlns:cs="http://schemas.microsoft.com/office/drawing/2012/chartStyle" xmlns:a="http://schemas.openxmlformats.org/drawingml/2006/main" meth="cycle" id="10">
+  <a:schemeClr val="accent1"/>
+  <a:schemeClr val="accent2"/>
+  <a:schemeClr val="accent3"/>
+  <a:schemeClr val="accent4"/>
+  <a:schemeClr val="accent5"/>
+  <a:schemeClr val="accent6"/>
+  <cs:variation/>
+  <cs:variation>
+    <a:lumMod val="60000"/>
+  </cs:variation>
+  <cs:variation>
+    <a:lumMod val="80000"/>
+    <a:lumOff val="20000"/>
+  </cs:variation>
+  <cs:variation>
+    <a:lumMod val="80000"/>
+  </cs:variation>
+  <cs:variation>
+    <a:lumMod val="60000"/>
+    <a:lumOff val="40000"/>
+  </cs:variation>
+  <cs:variation>
+    <a:lumMod val="50000"/>
+  </cs:variation>
+  <cs:variation>
+    <a:lumMod val="70000"/>
+    <a:lumOff val="30000"/>
+  </cs:variation>
+  <cs:variation>
+    <a:lumMod val="70000"/>
+  </cs:variation>
+  <cs:variation>
+    <a:lumMod val="50000"/>
+    <a:lumOff val="50000"/>
+  </cs:variation>
 </cs:colorStyle>
 </file>
 
@@ -1216,6 +3035,1589 @@
     <cs:effectRef idx="0"/>
     <cs:fontRef idx="minor">
       <a:schemeClr val="dk1"/>
+    </cs:fontRef>
+  </cs:wall>
+</cs:chartStyle>
+</file>
+
+<file path=ppt/charts/style2.xml><?xml version="1.0" encoding="utf-8"?>
+<cs:chartStyle xmlns:cs="http://schemas.microsoft.com/office/drawing/2012/chartStyle" xmlns:a="http://schemas.openxmlformats.org/drawingml/2006/main" id="245">
+  <cs:axisTitle>
+    <cs:lnRef idx="0"/>
+    <cs:fillRef idx="0"/>
+    <cs:effectRef idx="0"/>
+    <cs:fontRef idx="minor">
+      <a:schemeClr val="lt1">
+        <a:lumMod val="75000"/>
+      </a:schemeClr>
+    </cs:fontRef>
+    <cs:defRPr sz="900" b="1" kern="1200"/>
+  </cs:axisTitle>
+  <cs:categoryAxis>
+    <cs:lnRef idx="0"/>
+    <cs:fillRef idx="0"/>
+    <cs:effectRef idx="0"/>
+    <cs:fontRef idx="minor">
+      <a:schemeClr val="lt1">
+        <a:lumMod val="75000"/>
+      </a:schemeClr>
+    </cs:fontRef>
+    <cs:defRPr sz="900" kern="1200"/>
+  </cs:categoryAxis>
+  <cs:chartArea>
+    <cs:lnRef idx="0"/>
+    <cs:fillRef idx="0"/>
+    <cs:effectRef idx="0"/>
+    <cs:fontRef idx="minor">
+      <a:schemeClr val="dk1"/>
+    </cs:fontRef>
+    <cs:spPr>
+      <a:solidFill>
+        <a:schemeClr val="dk1">
+          <a:lumMod val="75000"/>
+          <a:lumOff val="25000"/>
+        </a:schemeClr>
+      </a:solidFill>
+      <a:ln w="9525" cap="flat" cmpd="sng" algn="ctr">
+        <a:solidFill>
+          <a:schemeClr val="dk1">
+            <a:lumMod val="15000"/>
+            <a:lumOff val="85000"/>
+          </a:schemeClr>
+        </a:solidFill>
+        <a:round/>
+      </a:ln>
+    </cs:spPr>
+    <cs:defRPr sz="900" kern="1200"/>
+  </cs:chartArea>
+  <cs:dataLabel>
+    <cs:lnRef idx="0"/>
+    <cs:fillRef idx="0"/>
+    <cs:effectRef idx="0"/>
+    <cs:fontRef idx="minor">
+      <a:schemeClr val="lt1">
+        <a:lumMod val="75000"/>
+      </a:schemeClr>
+    </cs:fontRef>
+    <cs:defRPr sz="900" kern="1200"/>
+  </cs:dataLabel>
+  <cs:dataLabelCallout>
+    <cs:lnRef idx="0"/>
+    <cs:fillRef idx="0"/>
+    <cs:effectRef idx="0"/>
+    <cs:fontRef idx="minor">
+      <a:schemeClr val="lt1">
+        <a:lumMod val="15000"/>
+        <a:lumOff val="85000"/>
+      </a:schemeClr>
+    </cs:fontRef>
+    <cs:spPr>
+      <a:solidFill>
+        <a:schemeClr val="dk1">
+          <a:lumMod val="65000"/>
+          <a:lumOff val="35000"/>
+        </a:schemeClr>
+      </a:solidFill>
+    </cs:spPr>
+    <cs:defRPr sz="900" kern="1200"/>
+    <cs:bodyPr rot="0" spcFirstLastPara="1" vertOverflow="clip" horzOverflow="clip" vert="horz" wrap="square" lIns="36576" tIns="18288" rIns="36576" bIns="18288" anchor="ctr" anchorCtr="1">
+      <a:spAutoFit/>
+    </cs:bodyPr>
+  </cs:dataLabelCallout>
+  <cs:dataPoint>
+    <cs:lnRef idx="0">
+      <cs:styleClr val="auto"/>
+    </cs:lnRef>
+    <cs:fillRef idx="0"/>
+    <cs:effectRef idx="0">
+      <cs:styleClr val="auto"/>
+    </cs:effectRef>
+    <cs:fontRef idx="minor">
+      <a:schemeClr val="dk1"/>
+    </cs:fontRef>
+    <cs:spPr>
+      <a:ln w="9525" cap="flat" cmpd="sng" algn="ctr">
+        <a:solidFill>
+          <a:schemeClr val="phClr"/>
+        </a:solidFill>
+        <a:miter lim="800000"/>
+      </a:ln>
+      <a:effectLst>
+        <a:glow rad="63500">
+          <a:schemeClr val="phClr">
+            <a:satMod val="175000"/>
+            <a:alpha val="25000"/>
+          </a:schemeClr>
+        </a:glow>
+      </a:effectLst>
+    </cs:spPr>
+  </cs:dataPoint>
+  <cs:dataPoint3D>
+    <cs:lnRef idx="0">
+      <cs:styleClr val="auto"/>
+    </cs:lnRef>
+    <cs:fillRef idx="0">
+      <cs:styleClr val="auto"/>
+    </cs:fillRef>
+    <cs:effectRef idx="0">
+      <cs:styleClr val="auto"/>
+    </cs:effectRef>
+    <cs:fontRef idx="minor">
+      <a:schemeClr val="dk1"/>
+    </cs:fontRef>
+    <cs:spPr>
+      <a:ln w="9525" cap="flat" cmpd="sng" algn="ctr">
+        <a:solidFill>
+          <a:schemeClr val="phClr"/>
+        </a:solidFill>
+        <a:miter lim="800000"/>
+      </a:ln>
+      <a:effectLst>
+        <a:glow rad="63500">
+          <a:schemeClr val="phClr">
+            <a:satMod val="175000"/>
+            <a:alpha val="25000"/>
+          </a:schemeClr>
+        </a:glow>
+      </a:effectLst>
+    </cs:spPr>
+  </cs:dataPoint3D>
+  <cs:dataPointLine>
+    <cs:lnRef idx="0">
+      <cs:styleClr val="auto"/>
+    </cs:lnRef>
+    <cs:fillRef idx="0">
+      <cs:styleClr val="auto"/>
+    </cs:fillRef>
+    <cs:effectRef idx="0">
+      <cs:styleClr val="auto"/>
+    </cs:effectRef>
+    <cs:fontRef idx="minor">
+      <a:schemeClr val="dk1"/>
+    </cs:fontRef>
+    <cs:spPr>
+      <a:ln w="22225" cap="rnd">
+        <a:solidFill>
+          <a:schemeClr val="phClr"/>
+        </a:solidFill>
+      </a:ln>
+      <a:effectLst>
+        <a:glow rad="139700">
+          <a:schemeClr val="phClr">
+            <a:satMod val="175000"/>
+            <a:alpha val="14000"/>
+          </a:schemeClr>
+        </a:glow>
+      </a:effectLst>
+    </cs:spPr>
+  </cs:dataPointLine>
+  <cs:dataPointMarker>
+    <cs:lnRef idx="0">
+      <cs:styleClr val="auto"/>
+    </cs:lnRef>
+    <cs:fillRef idx="0">
+      <cs:styleClr val="auto"/>
+    </cs:fillRef>
+    <cs:effectRef idx="0">
+      <cs:styleClr val="auto"/>
+    </cs:effectRef>
+    <cs:fontRef idx="minor">
+      <a:schemeClr val="dk1"/>
+    </cs:fontRef>
+    <cs:spPr>
+      <a:solidFill>
+        <a:schemeClr val="phClr">
+          <a:lumMod val="60000"/>
+          <a:lumOff val="40000"/>
+        </a:schemeClr>
+      </a:solidFill>
+      <a:effectLst>
+        <a:glow rad="63500">
+          <a:schemeClr val="phClr">
+            <a:satMod val="175000"/>
+            <a:alpha val="25000"/>
+          </a:schemeClr>
+        </a:glow>
+      </a:effectLst>
+    </cs:spPr>
+  </cs:dataPointMarker>
+  <cs:dataPointMarkerLayout symbol="circle" size="3"/>
+  <cs:dataPointWireframe>
+    <cs:lnRef idx="0">
+      <cs:styleClr val="auto"/>
+    </cs:lnRef>
+    <cs:fillRef idx="0"/>
+    <cs:effectRef idx="0"/>
+    <cs:fontRef idx="minor">
+      <a:schemeClr val="dk1"/>
+    </cs:fontRef>
+    <cs:spPr>
+      <a:ln w="9525" cap="rnd">
+        <a:solidFill>
+          <a:schemeClr val="phClr"/>
+        </a:solidFill>
+        <a:round/>
+      </a:ln>
+    </cs:spPr>
+  </cs:dataPointWireframe>
+  <cs:dataTable>
+    <cs:lnRef idx="0"/>
+    <cs:fillRef idx="0"/>
+    <cs:effectRef idx="0"/>
+    <cs:fontRef idx="minor">
+      <a:schemeClr val="lt1">
+        <a:lumMod val="75000"/>
+      </a:schemeClr>
+    </cs:fontRef>
+    <cs:spPr>
+      <a:ln w="9525">
+        <a:solidFill>
+          <a:schemeClr val="dk1">
+            <a:lumMod val="50000"/>
+            <a:lumOff val="50000"/>
+          </a:schemeClr>
+        </a:solidFill>
+      </a:ln>
+    </cs:spPr>
+    <cs:defRPr sz="900" kern="1200"/>
+  </cs:dataTable>
+  <cs:downBar>
+    <cs:lnRef idx="0"/>
+    <cs:fillRef idx="0"/>
+    <cs:effectRef idx="0"/>
+    <cs:fontRef idx="minor">
+      <a:schemeClr val="lt1"/>
+    </cs:fontRef>
+    <cs:spPr>
+      <a:solidFill>
+        <a:schemeClr val="dk1">
+          <a:lumMod val="50000"/>
+          <a:lumOff val="50000"/>
+        </a:schemeClr>
+      </a:solidFill>
+      <a:ln w="9525">
+        <a:solidFill>
+          <a:schemeClr val="dk1">
+            <a:lumMod val="75000"/>
+          </a:schemeClr>
+        </a:solidFill>
+        <a:round/>
+      </a:ln>
+    </cs:spPr>
+  </cs:downBar>
+  <cs:dropLine>
+    <cs:lnRef idx="0"/>
+    <cs:fillRef idx="0"/>
+    <cs:effectRef idx="0"/>
+    <cs:fontRef idx="minor">
+      <a:schemeClr val="dk1"/>
+    </cs:fontRef>
+    <cs:spPr>
+      <a:ln w="9525">
+        <a:solidFill>
+          <a:schemeClr val="lt1">
+            <a:lumMod val="50000"/>
+          </a:schemeClr>
+        </a:solidFill>
+        <a:round/>
+      </a:ln>
+    </cs:spPr>
+  </cs:dropLine>
+  <cs:errorBar>
+    <cs:lnRef idx="0"/>
+    <cs:fillRef idx="0"/>
+    <cs:effectRef idx="0"/>
+    <cs:fontRef idx="minor">
+      <a:schemeClr val="dk1"/>
+    </cs:fontRef>
+    <cs:spPr>
+      <a:ln w="9525">
+        <a:solidFill>
+          <a:schemeClr val="lt1">
+            <a:lumMod val="50000"/>
+          </a:schemeClr>
+        </a:solidFill>
+        <a:round/>
+      </a:ln>
+    </cs:spPr>
+  </cs:errorBar>
+  <cs:floor>
+    <cs:lnRef idx="0"/>
+    <cs:fillRef idx="0"/>
+    <cs:effectRef idx="0"/>
+    <cs:fontRef idx="minor">
+      <a:schemeClr val="dk1"/>
+    </cs:fontRef>
+  </cs:floor>
+  <cs:gridlineMajor>
+    <cs:lnRef idx="0"/>
+    <cs:fillRef idx="0"/>
+    <cs:effectRef idx="0"/>
+    <cs:fontRef idx="minor">
+      <a:schemeClr val="tx1"/>
+    </cs:fontRef>
+    <cs:spPr>
+      <a:ln w="9525" cap="flat" cmpd="sng" algn="ctr">
+        <a:solidFill>
+          <a:schemeClr val="dk1">
+            <a:lumMod val="65000"/>
+            <a:lumOff val="35000"/>
+            <a:alpha val="75000"/>
+          </a:schemeClr>
+        </a:solidFill>
+        <a:round/>
+      </a:ln>
+    </cs:spPr>
+  </cs:gridlineMajor>
+  <cs:gridlineMinor>
+    <cs:lnRef idx="0"/>
+    <cs:fillRef idx="0"/>
+    <cs:effectRef idx="0"/>
+    <cs:fontRef idx="minor">
+      <a:schemeClr val="tx1"/>
+    </cs:fontRef>
+    <cs:spPr>
+      <a:ln w="9525" cap="flat" cmpd="sng" algn="ctr">
+        <a:solidFill>
+          <a:schemeClr val="dk1">
+            <a:lumMod val="65000"/>
+            <a:lumOff val="35000"/>
+            <a:alpha val="25000"/>
+          </a:schemeClr>
+        </a:solidFill>
+        <a:round/>
+      </a:ln>
+    </cs:spPr>
+  </cs:gridlineMinor>
+  <cs:hiLoLine>
+    <cs:lnRef idx="0"/>
+    <cs:fillRef idx="0"/>
+    <cs:effectRef idx="0"/>
+    <cs:fontRef idx="minor">
+      <a:schemeClr val="dk1"/>
+    </cs:fontRef>
+    <cs:spPr>
+      <a:ln w="9525">
+        <a:solidFill>
+          <a:schemeClr val="lt1">
+            <a:lumMod val="50000"/>
+          </a:schemeClr>
+        </a:solidFill>
+        <a:round/>
+      </a:ln>
+    </cs:spPr>
+  </cs:hiLoLine>
+  <cs:leaderLine>
+    <cs:lnRef idx="0"/>
+    <cs:fillRef idx="0"/>
+    <cs:effectRef idx="0"/>
+    <cs:fontRef idx="minor">
+      <a:schemeClr val="dk1"/>
+    </cs:fontRef>
+    <cs:spPr>
+      <a:ln w="9525">
+        <a:solidFill>
+          <a:schemeClr val="lt1">
+            <a:lumMod val="50000"/>
+          </a:schemeClr>
+        </a:solidFill>
+        <a:round/>
+      </a:ln>
+    </cs:spPr>
+  </cs:leaderLine>
+  <cs:legend>
+    <cs:lnRef idx="0"/>
+    <cs:fillRef idx="0"/>
+    <cs:effectRef idx="0"/>
+    <cs:fontRef idx="minor">
+      <a:schemeClr val="lt1">
+        <a:lumMod val="75000"/>
+      </a:schemeClr>
+    </cs:fontRef>
+    <cs:defRPr sz="900" kern="1200"/>
+  </cs:legend>
+  <cs:plotArea>
+    <cs:lnRef idx="0"/>
+    <cs:fillRef idx="0"/>
+    <cs:effectRef idx="0"/>
+    <cs:fontRef idx="minor">
+      <a:schemeClr val="dk1"/>
+    </cs:fontRef>
+  </cs:plotArea>
+  <cs:plotArea3D>
+    <cs:lnRef idx="0"/>
+    <cs:fillRef idx="0"/>
+    <cs:effectRef idx="0"/>
+    <cs:fontRef idx="minor">
+      <a:schemeClr val="dk1"/>
+    </cs:fontRef>
+  </cs:plotArea3D>
+  <cs:seriesAxis>
+    <cs:lnRef idx="0"/>
+    <cs:fillRef idx="0"/>
+    <cs:effectRef idx="0"/>
+    <cs:fontRef idx="minor">
+      <a:schemeClr val="lt1">
+        <a:lumMod val="75000"/>
+      </a:schemeClr>
+    </cs:fontRef>
+    <cs:defRPr sz="900" kern="1200"/>
+  </cs:seriesAxis>
+  <cs:seriesLine>
+    <cs:lnRef idx="0"/>
+    <cs:fillRef idx="0"/>
+    <cs:effectRef idx="0"/>
+    <cs:fontRef idx="minor">
+      <a:schemeClr val="dk1"/>
+    </cs:fontRef>
+    <cs:spPr>
+      <a:ln w="9525">
+        <a:solidFill>
+          <a:schemeClr val="lt1">
+            <a:lumMod val="50000"/>
+          </a:schemeClr>
+        </a:solidFill>
+        <a:round/>
+      </a:ln>
+    </cs:spPr>
+  </cs:seriesLine>
+  <cs:title>
+    <cs:lnRef idx="0"/>
+    <cs:fillRef idx="0"/>
+    <cs:effectRef idx="0"/>
+    <cs:fontRef idx="minor">
+      <a:schemeClr val="lt1">
+        <a:lumMod val="85000"/>
+      </a:schemeClr>
+    </cs:fontRef>
+    <cs:defRPr sz="1400" b="1" kern="1200" cap="none" baseline="0"/>
+  </cs:title>
+  <cs:trendline>
+    <cs:lnRef idx="0">
+      <cs:styleClr val="auto"/>
+    </cs:lnRef>
+    <cs:fillRef idx="0"/>
+    <cs:effectRef idx="0"/>
+    <cs:fontRef idx="minor">
+      <a:schemeClr val="lt1"/>
+    </cs:fontRef>
+    <cs:spPr>
+      <a:ln w="25400" cap="rnd">
+        <a:solidFill>
+          <a:schemeClr val="phClr">
+            <a:alpha val="50000"/>
+          </a:schemeClr>
+        </a:solidFill>
+      </a:ln>
+    </cs:spPr>
+  </cs:trendline>
+  <cs:trendlineLabel>
+    <cs:lnRef idx="0"/>
+    <cs:fillRef idx="0"/>
+    <cs:effectRef idx="0"/>
+    <cs:fontRef idx="minor">
+      <a:schemeClr val="lt1">
+        <a:lumMod val="75000"/>
+      </a:schemeClr>
+    </cs:fontRef>
+    <cs:defRPr sz="900" kern="1200"/>
+  </cs:trendlineLabel>
+  <cs:upBar>
+    <cs:lnRef idx="0"/>
+    <cs:fillRef idx="0"/>
+    <cs:effectRef idx="0"/>
+    <cs:fontRef idx="minor">
+      <a:schemeClr val="dk1"/>
+    </cs:fontRef>
+    <cs:spPr>
+      <a:solidFill>
+        <a:schemeClr val="lt1">
+          <a:lumMod val="85000"/>
+        </a:schemeClr>
+      </a:solidFill>
+      <a:ln w="9525">
+        <a:solidFill>
+          <a:schemeClr val="dk1">
+            <a:lumMod val="50000"/>
+          </a:schemeClr>
+        </a:solidFill>
+        <a:round/>
+      </a:ln>
+    </cs:spPr>
+  </cs:upBar>
+  <cs:valueAxis>
+    <cs:lnRef idx="0"/>
+    <cs:fillRef idx="0"/>
+    <cs:effectRef idx="0"/>
+    <cs:fontRef idx="minor">
+      <a:schemeClr val="lt1">
+        <a:lumMod val="75000"/>
+      </a:schemeClr>
+    </cs:fontRef>
+    <cs:spPr>
+      <a:ln w="9525" cap="flat" cmpd="sng" algn="ctr">
+        <a:solidFill>
+          <a:schemeClr val="lt1">
+            <a:lumMod val="50000"/>
+          </a:schemeClr>
+        </a:solidFill>
+        <a:round/>
+      </a:ln>
+    </cs:spPr>
+    <cs:defRPr sz="900" kern="1200"/>
+    <cs:bodyPr/>
+  </cs:valueAxis>
+  <cs:wall>
+    <cs:lnRef idx="0"/>
+    <cs:fillRef idx="0"/>
+    <cs:effectRef idx="0"/>
+    <cs:fontRef idx="minor">
+      <a:schemeClr val="dk1"/>
+    </cs:fontRef>
+  </cs:wall>
+</cs:chartStyle>
+</file>
+
+<file path=ppt/charts/style3.xml><?xml version="1.0" encoding="utf-8"?>
+<cs:chartStyle xmlns:cs="http://schemas.microsoft.com/office/drawing/2012/chartStyle" xmlns:a="http://schemas.openxmlformats.org/drawingml/2006/main" id="236">
+  <cs:axisTitle>
+    <cs:lnRef idx="0"/>
+    <cs:fillRef idx="0"/>
+    <cs:effectRef idx="0"/>
+    <cs:fontRef idx="minor">
+      <a:schemeClr val="lt1">
+        <a:lumMod val="75000"/>
+      </a:schemeClr>
+    </cs:fontRef>
+    <cs:defRPr sz="900" b="1" kern="1200"/>
+  </cs:axisTitle>
+  <cs:categoryAxis>
+    <cs:lnRef idx="0"/>
+    <cs:fillRef idx="0"/>
+    <cs:effectRef idx="0"/>
+    <cs:fontRef idx="minor">
+      <a:schemeClr val="lt1">
+        <a:lumMod val="75000"/>
+      </a:schemeClr>
+    </cs:fontRef>
+    <cs:defRPr sz="900" kern="1200"/>
+  </cs:categoryAxis>
+  <cs:chartArea>
+    <cs:lnRef idx="0"/>
+    <cs:fillRef idx="0"/>
+    <cs:effectRef idx="0"/>
+    <cs:fontRef idx="minor">
+      <a:schemeClr val="dk1"/>
+    </cs:fontRef>
+    <cs:spPr>
+      <a:solidFill>
+        <a:schemeClr val="dk1">
+          <a:lumMod val="75000"/>
+          <a:lumOff val="25000"/>
+        </a:schemeClr>
+      </a:solidFill>
+      <a:ln w="9525" cap="flat" cmpd="sng" algn="ctr">
+        <a:solidFill>
+          <a:schemeClr val="dk1">
+            <a:lumMod val="15000"/>
+            <a:lumOff val="85000"/>
+          </a:schemeClr>
+        </a:solidFill>
+        <a:round/>
+      </a:ln>
+    </cs:spPr>
+    <cs:defRPr sz="900" kern="1200"/>
+  </cs:chartArea>
+  <cs:dataLabel>
+    <cs:lnRef idx="0"/>
+    <cs:fillRef idx="0"/>
+    <cs:effectRef idx="0"/>
+    <cs:fontRef idx="minor">
+      <a:schemeClr val="lt1">
+        <a:lumMod val="75000"/>
+      </a:schemeClr>
+    </cs:fontRef>
+    <cs:defRPr sz="900" kern="1200"/>
+  </cs:dataLabel>
+  <cs:dataLabelCallout>
+    <cs:lnRef idx="0"/>
+    <cs:fillRef idx="0"/>
+    <cs:effectRef idx="0"/>
+    <cs:fontRef idx="minor">
+      <a:schemeClr val="lt1">
+        <a:lumMod val="15000"/>
+        <a:lumOff val="85000"/>
+      </a:schemeClr>
+    </cs:fontRef>
+    <cs:spPr>
+      <a:solidFill>
+        <a:schemeClr val="dk1">
+          <a:lumMod val="65000"/>
+          <a:lumOff val="35000"/>
+        </a:schemeClr>
+      </a:solidFill>
+    </cs:spPr>
+    <cs:defRPr sz="900" kern="1200"/>
+    <cs:bodyPr rot="0" spcFirstLastPara="1" vertOverflow="clip" horzOverflow="clip" vert="horz" wrap="square" lIns="36576" tIns="18288" rIns="36576" bIns="18288" anchor="ctr" anchorCtr="1">
+      <a:spAutoFit/>
+    </cs:bodyPr>
+  </cs:dataLabelCallout>
+  <cs:dataPoint>
+    <cs:lnRef idx="0">
+      <cs:styleClr val="auto"/>
+    </cs:lnRef>
+    <cs:fillRef idx="0"/>
+    <cs:effectRef idx="0">
+      <cs:styleClr val="auto"/>
+    </cs:effectRef>
+    <cs:fontRef idx="minor">
+      <a:schemeClr val="dk1"/>
+    </cs:fontRef>
+    <cs:spPr>
+      <a:ln w="9525" cap="flat" cmpd="sng" algn="ctr">
+        <a:solidFill>
+          <a:schemeClr val="phClr"/>
+        </a:solidFill>
+        <a:miter lim="800000"/>
+      </a:ln>
+      <a:effectLst>
+        <a:glow rad="63500">
+          <a:schemeClr val="phClr">
+            <a:satMod val="175000"/>
+            <a:alpha val="25000"/>
+          </a:schemeClr>
+        </a:glow>
+      </a:effectLst>
+    </cs:spPr>
+  </cs:dataPoint>
+  <cs:dataPoint3D>
+    <cs:lnRef idx="0">
+      <cs:styleClr val="auto"/>
+    </cs:lnRef>
+    <cs:fillRef idx="0">
+      <cs:styleClr val="auto"/>
+    </cs:fillRef>
+    <cs:effectRef idx="0">
+      <cs:styleClr val="auto"/>
+    </cs:effectRef>
+    <cs:fontRef idx="minor">
+      <a:schemeClr val="dk1"/>
+    </cs:fontRef>
+    <cs:spPr>
+      <a:ln w="9525" cap="flat" cmpd="sng" algn="ctr">
+        <a:solidFill>
+          <a:schemeClr val="phClr"/>
+        </a:solidFill>
+        <a:miter lim="800000"/>
+      </a:ln>
+      <a:effectLst>
+        <a:glow rad="63500">
+          <a:schemeClr val="phClr">
+            <a:satMod val="175000"/>
+            <a:alpha val="25000"/>
+          </a:schemeClr>
+        </a:glow>
+      </a:effectLst>
+    </cs:spPr>
+  </cs:dataPoint3D>
+  <cs:dataPointLine>
+    <cs:lnRef idx="0">
+      <cs:styleClr val="auto"/>
+    </cs:lnRef>
+    <cs:fillRef idx="0">
+      <cs:styleClr val="auto"/>
+    </cs:fillRef>
+    <cs:effectRef idx="0">
+      <cs:styleClr val="auto"/>
+    </cs:effectRef>
+    <cs:fontRef idx="minor">
+      <a:schemeClr val="dk1"/>
+    </cs:fontRef>
+    <cs:spPr>
+      <a:ln w="22225" cap="rnd">
+        <a:solidFill>
+          <a:schemeClr val="phClr"/>
+        </a:solidFill>
+      </a:ln>
+      <a:effectLst>
+        <a:glow rad="139700">
+          <a:schemeClr val="phClr">
+            <a:satMod val="175000"/>
+            <a:alpha val="14000"/>
+          </a:schemeClr>
+        </a:glow>
+      </a:effectLst>
+    </cs:spPr>
+  </cs:dataPointLine>
+  <cs:dataPointMarker>
+    <cs:lnRef idx="0">
+      <cs:styleClr val="auto"/>
+    </cs:lnRef>
+    <cs:fillRef idx="0">
+      <cs:styleClr val="auto"/>
+    </cs:fillRef>
+    <cs:effectRef idx="0">
+      <cs:styleClr val="auto"/>
+    </cs:effectRef>
+    <cs:fontRef idx="minor">
+      <a:schemeClr val="dk1"/>
+    </cs:fontRef>
+    <cs:spPr>
+      <a:solidFill>
+        <a:schemeClr val="phClr">
+          <a:lumMod val="60000"/>
+          <a:lumOff val="40000"/>
+        </a:schemeClr>
+      </a:solidFill>
+      <a:effectLst>
+        <a:glow rad="63500">
+          <a:schemeClr val="phClr">
+            <a:satMod val="175000"/>
+            <a:alpha val="25000"/>
+          </a:schemeClr>
+        </a:glow>
+      </a:effectLst>
+    </cs:spPr>
+  </cs:dataPointMarker>
+  <cs:dataPointMarkerLayout symbol="circle" size="4"/>
+  <cs:dataPointWireframe>
+    <cs:lnRef idx="0">
+      <cs:styleClr val="auto"/>
+    </cs:lnRef>
+    <cs:fillRef idx="0"/>
+    <cs:effectRef idx="0"/>
+    <cs:fontRef idx="minor">
+      <a:schemeClr val="dk1"/>
+    </cs:fontRef>
+    <cs:spPr>
+      <a:ln w="9525" cap="rnd">
+        <a:solidFill>
+          <a:schemeClr val="phClr"/>
+        </a:solidFill>
+        <a:round/>
+      </a:ln>
+    </cs:spPr>
+  </cs:dataPointWireframe>
+  <cs:dataTable>
+    <cs:lnRef idx="0"/>
+    <cs:fillRef idx="0"/>
+    <cs:effectRef idx="0"/>
+    <cs:fontRef idx="minor">
+      <a:schemeClr val="lt1">
+        <a:lumMod val="75000"/>
+      </a:schemeClr>
+    </cs:fontRef>
+    <cs:spPr>
+      <a:ln w="9525">
+        <a:solidFill>
+          <a:schemeClr val="dk1">
+            <a:lumMod val="50000"/>
+            <a:lumOff val="50000"/>
+          </a:schemeClr>
+        </a:solidFill>
+      </a:ln>
+    </cs:spPr>
+    <cs:defRPr sz="900" kern="1200"/>
+  </cs:dataTable>
+  <cs:downBar>
+    <cs:lnRef idx="0"/>
+    <cs:fillRef idx="0"/>
+    <cs:effectRef idx="0"/>
+    <cs:fontRef idx="minor">
+      <a:schemeClr val="lt1"/>
+    </cs:fontRef>
+    <cs:spPr>
+      <a:solidFill>
+        <a:schemeClr val="dk1">
+          <a:lumMod val="50000"/>
+          <a:lumOff val="50000"/>
+        </a:schemeClr>
+      </a:solidFill>
+      <a:ln w="9525">
+        <a:solidFill>
+          <a:schemeClr val="dk1">
+            <a:lumMod val="75000"/>
+          </a:schemeClr>
+        </a:solidFill>
+        <a:round/>
+      </a:ln>
+    </cs:spPr>
+  </cs:downBar>
+  <cs:dropLine>
+    <cs:lnRef idx="0"/>
+    <cs:fillRef idx="0"/>
+    <cs:effectRef idx="0"/>
+    <cs:fontRef idx="minor">
+      <a:schemeClr val="dk1"/>
+    </cs:fontRef>
+    <cs:spPr>
+      <a:ln w="9525">
+        <a:solidFill>
+          <a:schemeClr val="lt1">
+            <a:lumMod val="50000"/>
+          </a:schemeClr>
+        </a:solidFill>
+        <a:round/>
+      </a:ln>
+    </cs:spPr>
+  </cs:dropLine>
+  <cs:errorBar>
+    <cs:lnRef idx="0"/>
+    <cs:fillRef idx="0"/>
+    <cs:effectRef idx="0"/>
+    <cs:fontRef idx="minor">
+      <a:schemeClr val="dk1"/>
+    </cs:fontRef>
+    <cs:spPr>
+      <a:ln w="9525">
+        <a:solidFill>
+          <a:schemeClr val="lt1">
+            <a:lumMod val="50000"/>
+          </a:schemeClr>
+        </a:solidFill>
+        <a:round/>
+      </a:ln>
+    </cs:spPr>
+  </cs:errorBar>
+  <cs:floor>
+    <cs:lnRef idx="0"/>
+    <cs:fillRef idx="0"/>
+    <cs:effectRef idx="0"/>
+    <cs:fontRef idx="minor">
+      <a:schemeClr val="dk1"/>
+    </cs:fontRef>
+  </cs:floor>
+  <cs:gridlineMajor>
+    <cs:lnRef idx="0"/>
+    <cs:fillRef idx="0"/>
+    <cs:effectRef idx="0"/>
+    <cs:fontRef idx="minor">
+      <a:schemeClr val="dk1"/>
+    </cs:fontRef>
+    <cs:spPr>
+      <a:ln w="9525" cap="flat" cmpd="sng" algn="ctr">
+        <a:gradFill>
+          <a:gsLst>
+            <a:gs pos="100000">
+              <a:schemeClr val="dk1">
+                <a:lumMod val="75000"/>
+                <a:lumOff val="25000"/>
+              </a:schemeClr>
+            </a:gs>
+            <a:gs pos="0">
+              <a:schemeClr val="dk1">
+                <a:lumMod val="65000"/>
+                <a:lumOff val="35000"/>
+              </a:schemeClr>
+            </a:gs>
+          </a:gsLst>
+          <a:lin ang="5400000" scaled="0"/>
+        </a:gradFill>
+        <a:round/>
+      </a:ln>
+    </cs:spPr>
+  </cs:gridlineMajor>
+  <cs:gridlineMinor>
+    <cs:lnRef idx="0"/>
+    <cs:fillRef idx="0"/>
+    <cs:effectRef idx="0"/>
+    <cs:fontRef idx="minor">
+      <a:schemeClr val="dk1"/>
+    </cs:fontRef>
+    <cs:spPr>
+      <a:ln w="9525" cap="flat" cmpd="sng" algn="ctr">
+        <a:gradFill>
+          <a:gsLst>
+            <a:gs pos="100000">
+              <a:schemeClr val="dk1">
+                <a:lumMod val="75000"/>
+                <a:lumOff val="25000"/>
+                <a:alpha val="25000"/>
+              </a:schemeClr>
+            </a:gs>
+            <a:gs pos="0">
+              <a:schemeClr val="dk1">
+                <a:lumMod val="65000"/>
+                <a:lumOff val="35000"/>
+                <a:alpha val="25000"/>
+              </a:schemeClr>
+            </a:gs>
+          </a:gsLst>
+          <a:lin ang="5400000" scaled="0"/>
+        </a:gradFill>
+        <a:round/>
+      </a:ln>
+    </cs:spPr>
+  </cs:gridlineMinor>
+  <cs:hiLoLine>
+    <cs:lnRef idx="0"/>
+    <cs:fillRef idx="0"/>
+    <cs:effectRef idx="0"/>
+    <cs:fontRef idx="minor">
+      <a:schemeClr val="dk1"/>
+    </cs:fontRef>
+    <cs:spPr>
+      <a:ln w="9525">
+        <a:solidFill>
+          <a:schemeClr val="lt1">
+            <a:lumMod val="50000"/>
+          </a:schemeClr>
+        </a:solidFill>
+        <a:round/>
+      </a:ln>
+    </cs:spPr>
+  </cs:hiLoLine>
+  <cs:leaderLine>
+    <cs:lnRef idx="0"/>
+    <cs:fillRef idx="0"/>
+    <cs:effectRef idx="0"/>
+    <cs:fontRef idx="minor">
+      <a:schemeClr val="dk1"/>
+    </cs:fontRef>
+    <cs:spPr>
+      <a:ln w="9525">
+        <a:solidFill>
+          <a:schemeClr val="lt1">
+            <a:lumMod val="50000"/>
+          </a:schemeClr>
+        </a:solidFill>
+        <a:round/>
+      </a:ln>
+    </cs:spPr>
+  </cs:leaderLine>
+  <cs:legend>
+    <cs:lnRef idx="0"/>
+    <cs:fillRef idx="0"/>
+    <cs:effectRef idx="0"/>
+    <cs:fontRef idx="minor">
+      <a:schemeClr val="lt1">
+        <a:lumMod val="75000"/>
+      </a:schemeClr>
+    </cs:fontRef>
+    <cs:defRPr sz="900" kern="1200"/>
+  </cs:legend>
+  <cs:plotArea>
+    <cs:lnRef idx="0"/>
+    <cs:fillRef idx="0"/>
+    <cs:effectRef idx="0"/>
+    <cs:fontRef idx="minor">
+      <a:schemeClr val="dk1"/>
+    </cs:fontRef>
+  </cs:plotArea>
+  <cs:plotArea3D>
+    <cs:lnRef idx="0"/>
+    <cs:fillRef idx="0"/>
+    <cs:effectRef idx="0"/>
+    <cs:fontRef idx="minor">
+      <a:schemeClr val="dk1"/>
+    </cs:fontRef>
+  </cs:plotArea3D>
+  <cs:seriesAxis>
+    <cs:lnRef idx="0"/>
+    <cs:fillRef idx="0"/>
+    <cs:effectRef idx="0"/>
+    <cs:fontRef idx="minor">
+      <a:schemeClr val="lt1">
+        <a:lumMod val="75000"/>
+      </a:schemeClr>
+    </cs:fontRef>
+    <cs:defRPr sz="900" kern="1200"/>
+  </cs:seriesAxis>
+  <cs:seriesLine>
+    <cs:lnRef idx="0"/>
+    <cs:fillRef idx="0"/>
+    <cs:effectRef idx="0"/>
+    <cs:fontRef idx="minor">
+      <a:schemeClr val="dk1"/>
+    </cs:fontRef>
+    <cs:spPr>
+      <a:ln w="9525">
+        <a:solidFill>
+          <a:schemeClr val="lt1">
+            <a:lumMod val="50000"/>
+          </a:schemeClr>
+        </a:solidFill>
+        <a:round/>
+      </a:ln>
+    </cs:spPr>
+  </cs:seriesLine>
+  <cs:title>
+    <cs:lnRef idx="0"/>
+    <cs:fillRef idx="0"/>
+    <cs:effectRef idx="0"/>
+    <cs:fontRef idx="minor">
+      <a:schemeClr val="lt1">
+        <a:lumMod val="85000"/>
+      </a:schemeClr>
+    </cs:fontRef>
+    <cs:defRPr sz="1400" b="1" kern="1200" cap="none" baseline="0"/>
+  </cs:title>
+  <cs:trendline>
+    <cs:lnRef idx="0">
+      <cs:styleClr val="auto"/>
+    </cs:lnRef>
+    <cs:fillRef idx="0"/>
+    <cs:effectRef idx="0"/>
+    <cs:fontRef idx="minor">
+      <a:schemeClr val="lt1"/>
+    </cs:fontRef>
+    <cs:spPr>
+      <a:ln w="25400" cap="rnd">
+        <a:solidFill>
+          <a:schemeClr val="phClr">
+            <a:alpha val="50000"/>
+          </a:schemeClr>
+        </a:solidFill>
+      </a:ln>
+    </cs:spPr>
+  </cs:trendline>
+  <cs:trendlineLabel>
+    <cs:lnRef idx="0"/>
+    <cs:fillRef idx="0"/>
+    <cs:effectRef idx="0"/>
+    <cs:fontRef idx="minor">
+      <a:schemeClr val="lt1">
+        <a:lumMod val="75000"/>
+      </a:schemeClr>
+    </cs:fontRef>
+    <cs:defRPr sz="900" kern="1200"/>
+  </cs:trendlineLabel>
+  <cs:upBar>
+    <cs:lnRef idx="0"/>
+    <cs:fillRef idx="0"/>
+    <cs:effectRef idx="0"/>
+    <cs:fontRef idx="minor">
+      <a:schemeClr val="dk1"/>
+    </cs:fontRef>
+    <cs:spPr>
+      <a:solidFill>
+        <a:schemeClr val="lt1">
+          <a:lumMod val="85000"/>
+        </a:schemeClr>
+      </a:solidFill>
+      <a:ln w="9525">
+        <a:solidFill>
+          <a:schemeClr val="dk1">
+            <a:lumMod val="50000"/>
+          </a:schemeClr>
+        </a:solidFill>
+        <a:round/>
+      </a:ln>
+    </cs:spPr>
+  </cs:upBar>
+  <cs:valueAxis>
+    <cs:lnRef idx="0"/>
+    <cs:fillRef idx="0"/>
+    <cs:effectRef idx="0"/>
+    <cs:fontRef idx="minor">
+      <a:schemeClr val="lt1">
+        <a:lumMod val="75000"/>
+      </a:schemeClr>
+    </cs:fontRef>
+    <cs:defRPr sz="900" kern="1200"/>
+  </cs:valueAxis>
+  <cs:wall>
+    <cs:lnRef idx="0"/>
+    <cs:fillRef idx="0"/>
+    <cs:effectRef idx="0"/>
+    <cs:fontRef idx="minor">
+      <a:schemeClr val="dk1"/>
+    </cs:fontRef>
+  </cs:wall>
+</cs:chartStyle>
+</file>
+
+<file path=ppt/charts/style4.xml><?xml version="1.0" encoding="utf-8"?>
+<cs:chartStyle xmlns:cs="http://schemas.microsoft.com/office/drawing/2012/chartStyle" xmlns:a="http://schemas.openxmlformats.org/drawingml/2006/main" id="209">
+  <cs:axisTitle>
+    <cs:lnRef idx="0"/>
+    <cs:fillRef idx="0"/>
+    <cs:effectRef idx="0"/>
+    <cs:fontRef idx="minor">
+      <a:schemeClr val="lt1">
+        <a:lumMod val="85000"/>
+      </a:schemeClr>
+    </cs:fontRef>
+    <cs:defRPr sz="900" b="1" kern="1200" cap="all"/>
+  </cs:axisTitle>
+  <cs:categoryAxis>
+    <cs:lnRef idx="0"/>
+    <cs:fillRef idx="0"/>
+    <cs:effectRef idx="0"/>
+    <cs:fontRef idx="minor">
+      <a:schemeClr val="lt1">
+        <a:lumMod val="85000"/>
+      </a:schemeClr>
+    </cs:fontRef>
+    <cs:spPr>
+      <a:ln w="12700" cap="flat" cmpd="sng" algn="ctr">
+        <a:solidFill>
+          <a:schemeClr val="lt1">
+            <a:lumMod val="95000"/>
+            <a:alpha val="54000"/>
+          </a:schemeClr>
+        </a:solidFill>
+        <a:round/>
+      </a:ln>
+    </cs:spPr>
+    <cs:defRPr sz="900" kern="1200"/>
+  </cs:categoryAxis>
+  <cs:chartArea>
+    <cs:lnRef idx="0"/>
+    <cs:fillRef idx="0"/>
+    <cs:effectRef idx="0"/>
+    <cs:fontRef idx="minor">
+      <a:schemeClr val="dk1"/>
+    </cs:fontRef>
+    <cs:spPr>
+      <a:gradFill flip="none" rotWithShape="1">
+        <a:gsLst>
+          <a:gs pos="0">
+            <a:schemeClr val="dk1">
+              <a:lumMod val="65000"/>
+              <a:lumOff val="35000"/>
+            </a:schemeClr>
+          </a:gs>
+          <a:gs pos="100000">
+            <a:schemeClr val="dk1">
+              <a:lumMod val="85000"/>
+              <a:lumOff val="15000"/>
+            </a:schemeClr>
+          </a:gs>
+        </a:gsLst>
+        <a:path path="circle">
+          <a:fillToRect l="50000" t="50000" r="50000" b="50000"/>
+        </a:path>
+        <a:tileRect/>
+      </a:gradFill>
+    </cs:spPr>
+    <cs:defRPr sz="1000" kern="1200"/>
+  </cs:chartArea>
+  <cs:dataLabel>
+    <cs:lnRef idx="0"/>
+    <cs:fillRef idx="0"/>
+    <cs:effectRef idx="0"/>
+    <cs:fontRef idx="minor">
+      <a:schemeClr val="lt1">
+        <a:lumMod val="85000"/>
+      </a:schemeClr>
+    </cs:fontRef>
+    <cs:defRPr sz="900" kern="1200"/>
+  </cs:dataLabel>
+  <cs:dataLabelCallout>
+    <cs:lnRef idx="0"/>
+    <cs:fillRef idx="0"/>
+    <cs:effectRef idx="0"/>
+    <cs:fontRef idx="minor">
+      <a:schemeClr val="dk1">
+        <a:lumMod val="65000"/>
+        <a:lumOff val="35000"/>
+      </a:schemeClr>
+    </cs:fontRef>
+    <cs:spPr>
+      <a:solidFill>
+        <a:schemeClr val="lt1"/>
+      </a:solidFill>
+    </cs:spPr>
+    <cs:defRPr sz="900" kern="1200"/>
+    <cs:bodyPr rot="0" spcFirstLastPara="1" vertOverflow="clip" horzOverflow="clip" vert="horz" wrap="square" lIns="36576" tIns="18288" rIns="36576" bIns="18288" anchor="ctr" anchorCtr="1">
+      <a:spAutoFit/>
+    </cs:bodyPr>
+  </cs:dataLabelCallout>
+  <cs:dataPoint>
+    <cs:lnRef idx="0"/>
+    <cs:fillRef idx="3">
+      <cs:styleClr val="auto"/>
+    </cs:fillRef>
+    <cs:effectRef idx="3"/>
+    <cs:fontRef idx="minor">
+      <a:schemeClr val="lt1"/>
+    </cs:fontRef>
+  </cs:dataPoint>
+  <cs:dataPoint3D>
+    <cs:lnRef idx="0"/>
+    <cs:fillRef idx="3">
+      <cs:styleClr val="auto"/>
+    </cs:fillRef>
+    <cs:effectRef idx="3"/>
+    <cs:fontRef idx="minor">
+      <a:schemeClr val="lt1"/>
+    </cs:fontRef>
+  </cs:dataPoint3D>
+  <cs:dataPointLine>
+    <cs:lnRef idx="0">
+      <cs:styleClr val="auto"/>
+    </cs:lnRef>
+    <cs:fillRef idx="3"/>
+    <cs:effectRef idx="3"/>
+    <cs:fontRef idx="minor">
+      <a:schemeClr val="lt1"/>
+    </cs:fontRef>
+    <cs:spPr>
+      <a:ln w="34925" cap="rnd">
+        <a:solidFill>
+          <a:schemeClr val="phClr"/>
+        </a:solidFill>
+        <a:round/>
+      </a:ln>
+    </cs:spPr>
+  </cs:dataPointLine>
+  <cs:dataPointMarker>
+    <cs:lnRef idx="0">
+      <cs:styleClr val="auto"/>
+    </cs:lnRef>
+    <cs:fillRef idx="3">
+      <cs:styleClr val="auto"/>
+    </cs:fillRef>
+    <cs:effectRef idx="3"/>
+    <cs:fontRef idx="minor">
+      <a:schemeClr val="lt1"/>
+    </cs:fontRef>
+    <cs:spPr>
+      <a:ln w="9525">
+        <a:solidFill>
+          <a:schemeClr val="phClr"/>
+        </a:solidFill>
+        <a:round/>
+      </a:ln>
+    </cs:spPr>
+  </cs:dataPointMarker>
+  <cs:dataPointMarkerLayout symbol="circle" size="6"/>
+  <cs:dataPointWireframe>
+    <cs:lnRef idx="0">
+      <cs:styleClr val="auto"/>
+    </cs:lnRef>
+    <cs:fillRef idx="3"/>
+    <cs:effectRef idx="3"/>
+    <cs:fontRef idx="minor">
+      <a:schemeClr val="lt1"/>
+    </cs:fontRef>
+    <cs:spPr>
+      <a:ln w="9525" cap="rnd">
+        <a:solidFill>
+          <a:schemeClr val="phClr"/>
+        </a:solidFill>
+        <a:round/>
+      </a:ln>
+    </cs:spPr>
+  </cs:dataPointWireframe>
+  <cs:dataTable>
+    <cs:lnRef idx="0"/>
+    <cs:fillRef idx="0"/>
+    <cs:effectRef idx="0"/>
+    <cs:fontRef idx="minor">
+      <a:schemeClr val="lt1">
+        <a:lumMod val="85000"/>
+      </a:schemeClr>
+    </cs:fontRef>
+    <cs:spPr>
+      <a:ln w="9525">
+        <a:solidFill>
+          <a:schemeClr val="lt1">
+            <a:lumMod val="95000"/>
+            <a:alpha val="54000"/>
+          </a:schemeClr>
+        </a:solidFill>
+      </a:ln>
+    </cs:spPr>
+    <cs:defRPr sz="900" kern="1200"/>
+  </cs:dataTable>
+  <cs:downBar>
+    <cs:lnRef idx="0"/>
+    <cs:fillRef idx="0"/>
+    <cs:effectRef idx="0"/>
+    <cs:fontRef idx="minor">
+      <a:schemeClr val="lt1"/>
+    </cs:fontRef>
+    <cs:spPr>
+      <a:solidFill>
+        <a:schemeClr val="dk1">
+          <a:lumMod val="75000"/>
+          <a:lumOff val="25000"/>
+        </a:schemeClr>
+      </a:solidFill>
+      <a:ln w="9525">
+        <a:solidFill>
+          <a:schemeClr val="lt1">
+            <a:lumMod val="95000"/>
+            <a:alpha val="54000"/>
+          </a:schemeClr>
+        </a:solidFill>
+      </a:ln>
+    </cs:spPr>
+  </cs:downBar>
+  <cs:dropLine>
+    <cs:lnRef idx="0"/>
+    <cs:fillRef idx="0"/>
+    <cs:effectRef idx="0"/>
+    <cs:fontRef idx="minor">
+      <a:schemeClr val="lt1"/>
+    </cs:fontRef>
+    <cs:spPr>
+      <a:ln w="9525">
+        <a:solidFill>
+          <a:schemeClr val="lt1">
+            <a:lumMod val="95000"/>
+            <a:alpha val="54000"/>
+          </a:schemeClr>
+        </a:solidFill>
+        <a:prstDash val="dash"/>
+      </a:ln>
+    </cs:spPr>
+  </cs:dropLine>
+  <cs:errorBar>
+    <cs:lnRef idx="0"/>
+    <cs:fillRef idx="0"/>
+    <cs:effectRef idx="0"/>
+    <cs:fontRef idx="minor">
+      <a:schemeClr val="lt1"/>
+    </cs:fontRef>
+    <cs:spPr>
+      <a:ln w="9525" cap="flat" cmpd="sng" algn="ctr">
+        <a:solidFill>
+          <a:schemeClr val="lt1">
+            <a:lumMod val="95000"/>
+          </a:schemeClr>
+        </a:solidFill>
+        <a:round/>
+      </a:ln>
+    </cs:spPr>
+  </cs:errorBar>
+  <cs:floor>
+    <cs:lnRef idx="0"/>
+    <cs:fillRef idx="0"/>
+    <cs:effectRef idx="0"/>
+    <cs:fontRef idx="minor">
+      <a:schemeClr val="lt1"/>
+    </cs:fontRef>
+  </cs:floor>
+  <cs:gridlineMajor>
+    <cs:lnRef idx="0"/>
+    <cs:fillRef idx="0"/>
+    <cs:effectRef idx="0"/>
+    <cs:fontRef idx="minor">
+      <a:schemeClr val="lt1"/>
+    </cs:fontRef>
+    <cs:spPr>
+      <a:ln w="9525" cap="flat" cmpd="sng" algn="ctr">
+        <a:solidFill>
+          <a:schemeClr val="lt1">
+            <a:lumMod val="95000"/>
+            <a:alpha val="10000"/>
+          </a:schemeClr>
+        </a:solidFill>
+        <a:round/>
+      </a:ln>
+    </cs:spPr>
+  </cs:gridlineMajor>
+  <cs:gridlineMinor>
+    <cs:lnRef idx="0"/>
+    <cs:fillRef idx="0"/>
+    <cs:effectRef idx="0"/>
+    <cs:fontRef idx="minor">
+      <a:schemeClr val="lt1"/>
+    </cs:fontRef>
+    <cs:spPr>
+      <a:ln>
+        <a:solidFill>
+          <a:schemeClr val="lt1">
+            <a:lumMod val="95000"/>
+            <a:alpha val="5000"/>
+          </a:schemeClr>
+        </a:solidFill>
+      </a:ln>
+    </cs:spPr>
+  </cs:gridlineMinor>
+  <cs:hiLoLine>
+    <cs:lnRef idx="0"/>
+    <cs:fillRef idx="0"/>
+    <cs:effectRef idx="0"/>
+    <cs:fontRef idx="minor">
+      <a:schemeClr val="lt1"/>
+    </cs:fontRef>
+    <cs:spPr>
+      <a:ln w="9525">
+        <a:solidFill>
+          <a:schemeClr val="lt1">
+            <a:lumMod val="95000"/>
+            <a:alpha val="54000"/>
+          </a:schemeClr>
+        </a:solidFill>
+        <a:prstDash val="dash"/>
+      </a:ln>
+    </cs:spPr>
+  </cs:hiLoLine>
+  <cs:leaderLine>
+    <cs:lnRef idx="0"/>
+    <cs:fillRef idx="0"/>
+    <cs:effectRef idx="0"/>
+    <cs:fontRef idx="minor">
+      <a:schemeClr val="lt1"/>
+    </cs:fontRef>
+    <cs:spPr>
+      <a:ln w="9525">
+        <a:solidFill>
+          <a:schemeClr val="lt1">
+            <a:lumMod val="95000"/>
+            <a:alpha val="54000"/>
+          </a:schemeClr>
+        </a:solidFill>
+      </a:ln>
+    </cs:spPr>
+  </cs:leaderLine>
+  <cs:legend>
+    <cs:lnRef idx="0"/>
+    <cs:fillRef idx="0"/>
+    <cs:effectRef idx="0"/>
+    <cs:fontRef idx="minor">
+      <a:schemeClr val="lt1">
+        <a:lumMod val="85000"/>
+      </a:schemeClr>
+    </cs:fontRef>
+    <cs:defRPr sz="900" kern="1200"/>
+  </cs:legend>
+  <cs:plotArea>
+    <cs:lnRef idx="0"/>
+    <cs:fillRef idx="0"/>
+    <cs:effectRef idx="0"/>
+    <cs:fontRef idx="minor">
+      <a:schemeClr val="lt1"/>
+    </cs:fontRef>
+  </cs:plotArea>
+  <cs:plotArea3D>
+    <cs:lnRef idx="0"/>
+    <cs:fillRef idx="0"/>
+    <cs:effectRef idx="0"/>
+    <cs:fontRef idx="minor">
+      <a:schemeClr val="lt1"/>
+    </cs:fontRef>
+  </cs:plotArea3D>
+  <cs:seriesAxis>
+    <cs:lnRef idx="0"/>
+    <cs:fillRef idx="0"/>
+    <cs:effectRef idx="0"/>
+    <cs:fontRef idx="minor">
+      <a:schemeClr val="lt1">
+        <a:lumMod val="85000"/>
+      </a:schemeClr>
+    </cs:fontRef>
+    <cs:spPr>
+      <a:ln w="12700" cap="flat" cmpd="sng" algn="ctr">
+        <a:solidFill>
+          <a:schemeClr val="lt1">
+            <a:lumMod val="95000"/>
+            <a:alpha val="54000"/>
+          </a:schemeClr>
+        </a:solidFill>
+        <a:round/>
+      </a:ln>
+    </cs:spPr>
+    <cs:defRPr sz="900" kern="1200"/>
+  </cs:seriesAxis>
+  <cs:seriesLine>
+    <cs:lnRef idx="0"/>
+    <cs:fillRef idx="0"/>
+    <cs:effectRef idx="0"/>
+    <cs:fontRef idx="minor">
+      <a:schemeClr val="lt1"/>
+    </cs:fontRef>
+    <cs:spPr>
+      <a:ln w="9525" cap="flat" cmpd="sng" algn="ctr">
+        <a:solidFill>
+          <a:schemeClr val="lt1">
+            <a:lumMod val="95000"/>
+            <a:alpha val="54000"/>
+          </a:schemeClr>
+        </a:solidFill>
+        <a:round/>
+      </a:ln>
+    </cs:spPr>
+  </cs:seriesLine>
+  <cs:title>
+    <cs:lnRef idx="0"/>
+    <cs:fillRef idx="0"/>
+    <cs:effectRef idx="0"/>
+    <cs:fontRef idx="minor">
+      <a:schemeClr val="lt1">
+        <a:lumMod val="95000"/>
+      </a:schemeClr>
+    </cs:fontRef>
+    <cs:defRPr sz="1600" b="1" kern="1200" spc="100" baseline="0">
+      <a:effectLst>
+        <a:outerShdw blurRad="50800" dist="38100" dir="5400000" algn="t" rotWithShape="0">
+          <a:prstClr val="black">
+            <a:alpha val="40000"/>
+          </a:prstClr>
+        </a:outerShdw>
+      </a:effectLst>
+    </cs:defRPr>
+  </cs:title>
+  <cs:trendline>
+    <cs:lnRef idx="0">
+      <cs:styleClr val="auto"/>
+    </cs:lnRef>
+    <cs:fillRef idx="0"/>
+    <cs:effectRef idx="0"/>
+    <cs:fontRef idx="minor">
+      <a:schemeClr val="lt1"/>
+    </cs:fontRef>
+    <cs:spPr>
+      <a:ln w="19050" cap="rnd">
+        <a:solidFill>
+          <a:schemeClr val="phClr"/>
+        </a:solidFill>
+      </a:ln>
+    </cs:spPr>
+  </cs:trendline>
+  <cs:trendlineLabel>
+    <cs:lnRef idx="0"/>
+    <cs:fillRef idx="0"/>
+    <cs:effectRef idx="0"/>
+    <cs:fontRef idx="minor">
+      <a:schemeClr val="lt1">
+        <a:lumMod val="85000"/>
+      </a:schemeClr>
+    </cs:fontRef>
+    <cs:defRPr sz="900" kern="1200"/>
+  </cs:trendlineLabel>
+  <cs:upBar>
+    <cs:lnRef idx="0"/>
+    <cs:fillRef idx="0"/>
+    <cs:effectRef idx="0"/>
+    <cs:fontRef idx="minor">
+      <a:schemeClr val="lt1"/>
+    </cs:fontRef>
+    <cs:spPr>
+      <a:solidFill>
+        <a:schemeClr val="lt1"/>
+      </a:solidFill>
+      <a:ln w="9525">
+        <a:solidFill>
+          <a:schemeClr val="lt1">
+            <a:lumMod val="95000"/>
+            <a:alpha val="54000"/>
+          </a:schemeClr>
+        </a:solidFill>
+      </a:ln>
+    </cs:spPr>
+  </cs:upBar>
+  <cs:valueAxis>
+    <cs:lnRef idx="0"/>
+    <cs:fillRef idx="0"/>
+    <cs:effectRef idx="0"/>
+    <cs:fontRef idx="minor">
+      <a:schemeClr val="lt1">
+        <a:lumMod val="85000"/>
+      </a:schemeClr>
+    </cs:fontRef>
+    <cs:defRPr sz="900" kern="1200"/>
+  </cs:valueAxis>
+  <cs:wall>
+    <cs:lnRef idx="0"/>
+    <cs:fillRef idx="0"/>
+    <cs:effectRef idx="0"/>
+    <cs:fontRef idx="minor">
+      <a:schemeClr val="lt1"/>
     </cs:fontRef>
   </cs:wall>
 </cs:chartStyle>
@@ -4511,21 +7913,8 @@
                   <a:schemeClr val="bg1"/>
                 </a:solidFill>
               </a:rPr>
-              <a:t>Is there finally harmony </a:t>
+              <a:t>Nashville Historic Cemetery Presents Venus and Mars</a:t>
             </a:r>
-            <a:r>
-              <a:rPr lang="en-US" sz="3600">
-                <a:solidFill>
-                  <a:schemeClr val="bg1"/>
-                </a:solidFill>
-              </a:rPr>
-              <a:t>between Venus and Mars?</a:t>
-            </a:r>
-            <a:endParaRPr lang="en-US" sz="3600" dirty="0">
-              <a:solidFill>
-                <a:schemeClr val="bg1"/>
-              </a:solidFill>
-            </a:endParaRPr>
           </a:p>
         </p:txBody>
       </p:sp>
@@ -4533,6 +7922,217 @@
     <p:extLst>
       <p:ext uri="{BB962C8B-B14F-4D97-AF65-F5344CB8AC3E}">
         <p14:creationId xmlns:p14="http://schemas.microsoft.com/office/powerpoint/2010/main" val="3127071379"/>
+      </p:ext>
+    </p:extLst>
+  </p:cSld>
+  <p:clrMapOvr>
+    <a:masterClrMapping/>
+  </p:clrMapOvr>
+</p:sld>
+</file>
+
+<file path=ppt/slides/slide2.xml><?xml version="1.0" encoding="utf-8"?>
+<p:sld xmlns:a="http://schemas.openxmlformats.org/drawingml/2006/main" xmlns:r="http://schemas.openxmlformats.org/officeDocument/2006/relationships" xmlns:p="http://schemas.openxmlformats.org/presentationml/2006/main">
+  <p:cSld>
+    <p:bg>
+      <p:bgPr>
+        <a:solidFill>
+          <a:schemeClr val="bg2">
+            <a:lumMod val="25000"/>
+          </a:schemeClr>
+        </a:solidFill>
+        <a:effectLst/>
+      </p:bgPr>
+    </p:bg>
+    <p:spTree>
+      <p:nvGrpSpPr>
+        <p:cNvPr id="1" name=""/>
+        <p:cNvGrpSpPr/>
+        <p:nvPr/>
+      </p:nvGrpSpPr>
+      <p:grpSpPr>
+        <a:xfrm>
+          <a:off x="0" y="0"/>
+          <a:ext cx="0" cy="0"/>
+          <a:chOff x="0" y="0"/>
+          <a:chExt cx="0" cy="0"/>
+        </a:xfrm>
+      </p:grpSpPr>
+      <p:graphicFrame>
+        <p:nvGraphicFramePr>
+          <p:cNvPr id="5" name="Chart 4">
+            <a:extLst>
+              <a:ext uri="{FF2B5EF4-FFF2-40B4-BE49-F238E27FC236}">
+                <a16:creationId xmlns:a16="http://schemas.microsoft.com/office/drawing/2014/main" id="{75A6E6CB-9FC4-4038-94E6-C9752D6E3534}"/>
+              </a:ext>
+            </a:extLst>
+          </p:cNvPr>
+          <p:cNvGraphicFramePr>
+            <a:graphicFrameLocks/>
+          </p:cNvGraphicFramePr>
+          <p:nvPr>
+            <p:extLst>
+              <p:ext uri="{D42A27DB-BD31-4B8C-83A1-F6EECF244321}">
+                <p14:modId xmlns:p14="http://schemas.microsoft.com/office/powerpoint/2010/main" val="2111792017"/>
+              </p:ext>
+            </p:extLst>
+          </p:nvPr>
+        </p:nvGraphicFramePr>
+        <p:xfrm>
+          <a:off x="5781822" y="3123028"/>
+          <a:ext cx="6410178" cy="3734972"/>
+        </p:xfrm>
+        <a:graphic>
+          <a:graphicData uri="http://schemas.openxmlformats.org/drawingml/2006/chart">
+            <c:chart xmlns:c="http://schemas.openxmlformats.org/drawingml/2006/chart" xmlns:r="http://schemas.openxmlformats.org/officeDocument/2006/relationships" r:id="rId2"/>
+          </a:graphicData>
+        </a:graphic>
+      </p:graphicFrame>
+      <p:graphicFrame>
+        <p:nvGraphicFramePr>
+          <p:cNvPr id="9" name="Chart 8">
+            <a:extLst>
+              <a:ext uri="{FF2B5EF4-FFF2-40B4-BE49-F238E27FC236}">
+                <a16:creationId xmlns:a16="http://schemas.microsoft.com/office/drawing/2014/main" id="{C6D5B4E7-FE59-4342-B8DE-6DCD86E45E49}"/>
+              </a:ext>
+            </a:extLst>
+          </p:cNvPr>
+          <p:cNvGraphicFramePr>
+            <a:graphicFrameLocks/>
+          </p:cNvGraphicFramePr>
+          <p:nvPr>
+            <p:extLst>
+              <p:ext uri="{D42A27DB-BD31-4B8C-83A1-F6EECF244321}">
+                <p14:modId xmlns:p14="http://schemas.microsoft.com/office/powerpoint/2010/main" val="3379630558"/>
+              </p:ext>
+            </p:extLst>
+          </p:nvPr>
+        </p:nvGraphicFramePr>
+        <p:xfrm>
+          <a:off x="154744" y="0"/>
+          <a:ext cx="5176911" cy="3123028"/>
+        </p:xfrm>
+        <a:graphic>
+          <a:graphicData uri="http://schemas.openxmlformats.org/drawingml/2006/chart">
+            <c:chart xmlns:c="http://schemas.openxmlformats.org/drawingml/2006/chart" xmlns:r="http://schemas.openxmlformats.org/officeDocument/2006/relationships" r:id="rId3"/>
+          </a:graphicData>
+        </a:graphic>
+      </p:graphicFrame>
+      <p:graphicFrame>
+        <p:nvGraphicFramePr>
+          <p:cNvPr id="10" name="Chart 9">
+            <a:extLst>
+              <a:ext uri="{FF2B5EF4-FFF2-40B4-BE49-F238E27FC236}">
+                <a16:creationId xmlns:a16="http://schemas.microsoft.com/office/drawing/2014/main" id="{8D412068-D01F-4C74-8871-43816F96ADC8}"/>
+              </a:ext>
+            </a:extLst>
+          </p:cNvPr>
+          <p:cNvGraphicFramePr>
+            <a:graphicFrameLocks/>
+          </p:cNvGraphicFramePr>
+          <p:nvPr>
+            <p:extLst>
+              <p:ext uri="{D42A27DB-BD31-4B8C-83A1-F6EECF244321}">
+                <p14:modId xmlns:p14="http://schemas.microsoft.com/office/powerpoint/2010/main" val="2973205177"/>
+              </p:ext>
+            </p:extLst>
+          </p:nvPr>
+        </p:nvGraphicFramePr>
+        <p:xfrm>
+          <a:off x="0" y="3123028"/>
+          <a:ext cx="5781822" cy="3734972"/>
+        </p:xfrm>
+        <a:graphic>
+          <a:graphicData uri="http://schemas.openxmlformats.org/drawingml/2006/chart">
+            <c:chart xmlns:c="http://schemas.openxmlformats.org/drawingml/2006/chart" xmlns:r="http://schemas.openxmlformats.org/officeDocument/2006/relationships" r:id="rId4"/>
+          </a:graphicData>
+        </a:graphic>
+      </p:graphicFrame>
+      <p:sp>
+        <p:nvSpPr>
+          <p:cNvPr id="2" name="TextBox 1">
+            <a:extLst>
+              <a:ext uri="{FF2B5EF4-FFF2-40B4-BE49-F238E27FC236}">
+                <a16:creationId xmlns:a16="http://schemas.microsoft.com/office/drawing/2014/main" id="{FD801FA9-5F50-44D0-8FC3-8C097AF53271}"/>
+              </a:ext>
+            </a:extLst>
+          </p:cNvPr>
+          <p:cNvSpPr txBox="1"/>
+          <p:nvPr/>
+        </p:nvSpPr>
+        <p:spPr>
+          <a:xfrm>
+            <a:off x="6096000" y="222686"/>
+            <a:ext cx="5275385" cy="2339102"/>
+          </a:xfrm>
+          <a:prstGeom prst="rect">
+            <a:avLst/>
+          </a:prstGeom>
+          <a:noFill/>
+        </p:spPr>
+        <p:txBody>
+          <a:bodyPr wrap="square" rtlCol="0">
+            <a:spAutoFit/>
+          </a:bodyPr>
+          <a:lstStyle/>
+          <a:p>
+            <a:pPr algn="ctr"/>
+            <a:r>
+              <a:rPr lang="en-US" sz="2800" dirty="0">
+                <a:solidFill>
+                  <a:schemeClr val="bg1"/>
+                </a:solidFill>
+              </a:rPr>
+              <a:t>?What are the odds? </a:t>
+            </a:r>
+          </a:p>
+          <a:p>
+            <a:endParaRPr lang="en-US" sz="2800" dirty="0">
+              <a:solidFill>
+                <a:schemeClr val="bg1"/>
+              </a:solidFill>
+            </a:endParaRPr>
+          </a:p>
+          <a:p>
+            <a:pPr lvl="1"/>
+            <a:r>
+              <a:rPr lang="en-US" dirty="0">
+                <a:solidFill>
+                  <a:schemeClr val="bg1"/>
+                </a:solidFill>
+              </a:rPr>
+              <a:t>Like flipping a coin.  Even our most iconic ratio </a:t>
+            </a:r>
+            <a:r>
+              <a:rPr lang="en-US">
+                <a:solidFill>
+                  <a:schemeClr val="bg1"/>
+                </a:solidFill>
+              </a:rPr>
+              <a:t>is skewed</a:t>
+            </a:r>
+            <a:r>
+              <a:rPr lang="en-US" dirty="0">
+                <a:solidFill>
+                  <a:schemeClr val="bg1"/>
+                </a:solidFill>
+              </a:rPr>
+              <a:t>.  So are the odds in your favor or theirs…Spin the wheel to determine who kicks the ole bucket.</a:t>
+            </a:r>
+          </a:p>
+          <a:p>
+            <a:endParaRPr lang="en-US" dirty="0">
+              <a:solidFill>
+                <a:schemeClr val="bg1"/>
+              </a:solidFill>
+            </a:endParaRPr>
+          </a:p>
+        </p:txBody>
+      </p:sp>
+    </p:spTree>
+    <p:extLst>
+      <p:ext uri="{BB962C8B-B14F-4D97-AF65-F5344CB8AC3E}">
+        <p14:creationId xmlns:p14="http://schemas.microsoft.com/office/powerpoint/2010/main" val="479071643"/>
       </p:ext>
     </p:extLst>
   </p:cSld>
